--- a/Revisions/03_Modelisation_Blocs_Applications/images/Figures.pptx
+++ b/Revisions/03_Modelisation_Blocs_Applications/images/Figures.pptx
@@ -6,10 +6,11 @@
   </p:sldMasterIdLst>
   <p:sldIdLst>
     <p:sldId id="256" r:id="rId2"/>
-    <p:sldId id="257" r:id="rId3"/>
-    <p:sldId id="258" r:id="rId4"/>
-    <p:sldId id="259" r:id="rId5"/>
-    <p:sldId id="260" r:id="rId6"/>
+    <p:sldId id="261" r:id="rId3"/>
+    <p:sldId id="257" r:id="rId4"/>
+    <p:sldId id="258" r:id="rId5"/>
+    <p:sldId id="259" r:id="rId6"/>
+    <p:sldId id="260" r:id="rId7"/>
   </p:sldIdLst>
   <p:sldSz cx="9144000" cy="6858000" type="screen4x3"/>
   <p:notesSz cx="6858000" cy="9144000"/>
@@ -125,10 +126,6 @@
     </p:ext>
   </p:extLst>
 </p:presentation>
-</file>
-
-<file path=ppt/revisionInfo.xml><?xml version="1.0" encoding="utf-8"?>
-<p1510:revInfo xmlns:a="http://schemas.openxmlformats.org/drawingml/2006/main" xmlns:r="http://schemas.openxmlformats.org/officeDocument/2006/relationships" xmlns:p1510="http://schemas.microsoft.com/office/powerpoint/2015/10/main"/>
 </file>
 
 <file path=ppt/slideLayouts/slideLayout1.xml><?xml version="1.0" encoding="utf-8"?>
@@ -312,7 +309,7 @@
           <a:p>
             <a:fld id="{AA309A6D-C09C-4548-B29A-6CF363A7E532}" type="datetimeFigureOut">
               <a:rPr lang="fr-FR" smtClean="0"/>
-              <a:t>30/07/2017</a:t>
+              <a:t>16/09/2018</a:t>
             </a:fld>
             <a:endParaRPr lang="fr-BE"/>
           </a:p>
@@ -477,7 +474,7 @@
           <a:p>
             <a:fld id="{AA309A6D-C09C-4548-B29A-6CF363A7E532}" type="datetimeFigureOut">
               <a:rPr lang="fr-FR" smtClean="0"/>
-              <a:t>30/07/2017</a:t>
+              <a:t>16/09/2018</a:t>
             </a:fld>
             <a:endParaRPr lang="fr-BE"/>
           </a:p>
@@ -652,7 +649,7 @@
           <a:p>
             <a:fld id="{AA309A6D-C09C-4548-B29A-6CF363A7E532}" type="datetimeFigureOut">
               <a:rPr lang="fr-FR" smtClean="0"/>
-              <a:t>30/07/2017</a:t>
+              <a:t>16/09/2018</a:t>
             </a:fld>
             <a:endParaRPr lang="fr-BE"/>
           </a:p>
@@ -817,7 +814,7 @@
           <a:p>
             <a:fld id="{AA309A6D-C09C-4548-B29A-6CF363A7E532}" type="datetimeFigureOut">
               <a:rPr lang="fr-FR" smtClean="0"/>
-              <a:t>30/07/2017</a:t>
+              <a:t>16/09/2018</a:t>
             </a:fld>
             <a:endParaRPr lang="fr-BE"/>
           </a:p>
@@ -1058,7 +1055,7 @@
           <a:p>
             <a:fld id="{AA309A6D-C09C-4548-B29A-6CF363A7E532}" type="datetimeFigureOut">
               <a:rPr lang="fr-FR" smtClean="0"/>
-              <a:t>30/07/2017</a:t>
+              <a:t>16/09/2018</a:t>
             </a:fld>
             <a:endParaRPr lang="fr-BE"/>
           </a:p>
@@ -1341,7 +1338,7 @@
           <a:p>
             <a:fld id="{AA309A6D-C09C-4548-B29A-6CF363A7E532}" type="datetimeFigureOut">
               <a:rPr lang="fr-FR" smtClean="0"/>
-              <a:t>30/07/2017</a:t>
+              <a:t>16/09/2018</a:t>
             </a:fld>
             <a:endParaRPr lang="fr-BE"/>
           </a:p>
@@ -1758,7 +1755,7 @@
           <a:p>
             <a:fld id="{AA309A6D-C09C-4548-B29A-6CF363A7E532}" type="datetimeFigureOut">
               <a:rPr lang="fr-FR" smtClean="0"/>
-              <a:t>30/07/2017</a:t>
+              <a:t>16/09/2018</a:t>
             </a:fld>
             <a:endParaRPr lang="fr-BE"/>
           </a:p>
@@ -1871,7 +1868,7 @@
           <a:p>
             <a:fld id="{AA309A6D-C09C-4548-B29A-6CF363A7E532}" type="datetimeFigureOut">
               <a:rPr lang="fr-FR" smtClean="0"/>
-              <a:t>30/07/2017</a:t>
+              <a:t>16/09/2018</a:t>
             </a:fld>
             <a:endParaRPr lang="fr-BE"/>
           </a:p>
@@ -1961,7 +1958,7 @@
           <a:p>
             <a:fld id="{AA309A6D-C09C-4548-B29A-6CF363A7E532}" type="datetimeFigureOut">
               <a:rPr lang="fr-FR" smtClean="0"/>
-              <a:t>30/07/2017</a:t>
+              <a:t>16/09/2018</a:t>
             </a:fld>
             <a:endParaRPr lang="fr-BE"/>
           </a:p>
@@ -2233,7 +2230,7 @@
           <a:p>
             <a:fld id="{AA309A6D-C09C-4548-B29A-6CF363A7E532}" type="datetimeFigureOut">
               <a:rPr lang="fr-FR" smtClean="0"/>
-              <a:t>30/07/2017</a:t>
+              <a:t>16/09/2018</a:t>
             </a:fld>
             <a:endParaRPr lang="fr-BE"/>
           </a:p>
@@ -2481,7 +2478,7 @@
           <a:p>
             <a:fld id="{AA309A6D-C09C-4548-B29A-6CF363A7E532}" type="datetimeFigureOut">
               <a:rPr lang="fr-FR" smtClean="0"/>
-              <a:t>30/07/2017</a:t>
+              <a:t>16/09/2018</a:t>
             </a:fld>
             <a:endParaRPr lang="fr-BE"/>
           </a:p>
@@ -2689,7 +2686,7 @@
           <a:p>
             <a:fld id="{AA309A6D-C09C-4548-B29A-6CF363A7E532}" type="datetimeFigureOut">
               <a:rPr lang="fr-FR" smtClean="0"/>
-              <a:t>30/07/2017</a:t>
+              <a:t>16/09/2018</a:t>
             </a:fld>
             <a:endParaRPr lang="fr-BE"/>
           </a:p>
@@ -3075,6 +3072,2334 @@
             </p:nvSpPr>
             <p:spPr>
               <a:xfrm>
+                <a:off x="1691680" y="1268759"/>
+                <a:ext cx="1008112" cy="576066"/>
+              </a:xfrm>
+              <a:prstGeom prst="rect">
+                <a:avLst/>
+              </a:prstGeom>
+              <a:noFill/>
+              <a:ln w="19050">
+                <a:solidFill>
+                  <a:schemeClr val="accent5">
+                    <a:lumMod val="50000"/>
+                  </a:schemeClr>
+                </a:solidFill>
+              </a:ln>
+            </p:spPr>
+            <p:style>
+              <a:lnRef idx="2">
+                <a:schemeClr val="accent1">
+                  <a:shade val="50000"/>
+                </a:schemeClr>
+              </a:lnRef>
+              <a:fillRef idx="1">
+                <a:schemeClr val="accent1"/>
+              </a:fillRef>
+              <a:effectRef idx="0">
+                <a:schemeClr val="accent1"/>
+              </a:effectRef>
+              <a:fontRef idx="minor">
+                <a:schemeClr val="lt1"/>
+              </a:fontRef>
+            </p:style>
+            <p:txBody>
+              <a:bodyPr rtlCol="0" anchor="ctr"/>
+              <a:lstStyle/>
+              <a:p>
+                <a:pPr algn="ctr"/>
+                <a14:m>
+                  <m:oMathPara xmlns:m="http://schemas.openxmlformats.org/officeDocument/2006/math">
+                    <m:oMathParaPr>
+                      <m:jc m:val="centerGroup"/>
+                    </m:oMathParaPr>
+                    <m:oMath xmlns:m="http://schemas.openxmlformats.org/officeDocument/2006/math">
+                      <m:f>
+                        <m:fPr>
+                          <m:ctrlPr>
+                            <a:rPr lang="fr-FR" b="0" i="1" smtClean="0">
+                              <a:solidFill>
+                                <a:schemeClr val="tx1"/>
+                              </a:solidFill>
+                              <a:latin typeface="Cambria Math" panose="02040503050406030204" pitchFamily="18" charset="0"/>
+                            </a:rPr>
+                          </m:ctrlPr>
+                        </m:fPr>
+                        <m:num>
+                          <m:r>
+                            <a:rPr lang="fr-FR" b="0" i="1" smtClean="0">
+                              <a:solidFill>
+                                <a:schemeClr val="tx1"/>
+                              </a:solidFill>
+                              <a:latin typeface="Cambria Math" panose="02040503050406030204" pitchFamily="18" charset="0"/>
+                            </a:rPr>
+                            <m:t>1</m:t>
+                          </m:r>
+                        </m:num>
+                        <m:den>
+                          <m:r>
+                            <a:rPr lang="fr-FR" b="0" i="1" smtClean="0">
+                              <a:solidFill>
+                                <a:schemeClr val="tx1"/>
+                              </a:solidFill>
+                              <a:latin typeface="Cambria Math" panose="02040503050406030204" pitchFamily="18" charset="0"/>
+                            </a:rPr>
+                            <m:t>𝑅</m:t>
+                          </m:r>
+                          <m:r>
+                            <a:rPr lang="fr-FR" b="0" i="1" smtClean="0">
+                              <a:solidFill>
+                                <a:schemeClr val="tx1"/>
+                              </a:solidFill>
+                              <a:latin typeface="Cambria Math" panose="02040503050406030204" pitchFamily="18" charset="0"/>
+                            </a:rPr>
+                            <m:t>+</m:t>
+                          </m:r>
+                          <m:r>
+                            <a:rPr lang="fr-FR" b="0" i="1" smtClean="0">
+                              <a:solidFill>
+                                <a:schemeClr val="tx1"/>
+                              </a:solidFill>
+                              <a:latin typeface="Cambria Math" panose="02040503050406030204" pitchFamily="18" charset="0"/>
+                            </a:rPr>
+                            <m:t>𝐿𝑝</m:t>
+                          </m:r>
+                        </m:den>
+                      </m:f>
+                    </m:oMath>
+                  </m:oMathPara>
+                </a14:m>
+                <a:endParaRPr lang="fr-FR" b="0" dirty="0">
+                  <a:solidFill>
+                    <a:schemeClr val="tx1"/>
+                  </a:solidFill>
+                </a:endParaRPr>
+              </a:p>
+            </p:txBody>
+          </p:sp>
+        </mc:Choice>
+        <mc:Fallback>
+          <p:sp>
+            <p:nvSpPr>
+              <p:cNvPr id="4" name="Rectangle 3">
+                <a:extLst>
+                  <a:ext uri="{FF2B5EF4-FFF2-40B4-BE49-F238E27FC236}">
+                    <a16:creationId xmlns:a16="http://schemas.microsoft.com/office/drawing/2014/main" id="{57373CAC-AD28-4C58-AA50-650B763A079A}"/>
+                  </a:ext>
+                </a:extLst>
+              </p:cNvPr>
+              <p:cNvSpPr>
+                <a:spLocks noRot="1" noChangeAspect="1" noMove="1" noResize="1" noEditPoints="1" noAdjustHandles="1" noChangeArrowheads="1" noChangeShapeType="1" noTextEdit="1"/>
+              </p:cNvSpPr>
+              <p:nvPr/>
+            </p:nvSpPr>
+            <p:spPr>
+              <a:xfrm>
+                <a:off x="1691680" y="1268759"/>
+                <a:ext cx="1008112" cy="576066"/>
+              </a:xfrm>
+              <a:prstGeom prst="rect">
+                <a:avLst/>
+              </a:prstGeom>
+              <a:blipFill>
+                <a:blip r:embed="rId2"/>
+                <a:stretch>
+                  <a:fillRect/>
+                </a:stretch>
+              </a:blipFill>
+              <a:ln w="19050">
+                <a:solidFill>
+                  <a:schemeClr val="accent5">
+                    <a:lumMod val="50000"/>
+                  </a:schemeClr>
+                </a:solidFill>
+              </a:ln>
+            </p:spPr>
+            <p:txBody>
+              <a:bodyPr/>
+              <a:lstStyle/>
+              <a:p>
+                <a:r>
+                  <a:rPr lang="fr-FR">
+                    <a:noFill/>
+                  </a:rPr>
+                  <a:t> </a:t>
+                </a:r>
+              </a:p>
+            </p:txBody>
+          </p:sp>
+        </mc:Fallback>
+      </mc:AlternateContent>
+      <mc:AlternateContent xmlns:mc="http://schemas.openxmlformats.org/markup-compatibility/2006">
+        <mc:Choice xmlns:a14="http://schemas.microsoft.com/office/drawing/2010/main" Requires="a14">
+          <p:sp>
+            <p:nvSpPr>
+              <p:cNvPr id="5" name="Rectangle 4">
+                <a:extLst>
+                  <a:ext uri="{FF2B5EF4-FFF2-40B4-BE49-F238E27FC236}">
+                    <a16:creationId xmlns:a16="http://schemas.microsoft.com/office/drawing/2014/main" id="{C44BCB26-F584-4B0C-9570-006E7F957EB4}"/>
+                  </a:ext>
+                </a:extLst>
+              </p:cNvPr>
+              <p:cNvSpPr/>
+              <p:nvPr/>
+            </p:nvSpPr>
+            <p:spPr>
+              <a:xfrm>
+                <a:off x="3131840" y="1340768"/>
+                <a:ext cx="1008112" cy="432048"/>
+              </a:xfrm>
+              <a:prstGeom prst="rect">
+                <a:avLst/>
+              </a:prstGeom>
+              <a:noFill/>
+              <a:ln w="19050">
+                <a:solidFill>
+                  <a:schemeClr val="accent5">
+                    <a:lumMod val="50000"/>
+                  </a:schemeClr>
+                </a:solidFill>
+              </a:ln>
+            </p:spPr>
+            <p:style>
+              <a:lnRef idx="2">
+                <a:schemeClr val="accent1">
+                  <a:shade val="50000"/>
+                </a:schemeClr>
+              </a:lnRef>
+              <a:fillRef idx="1">
+                <a:schemeClr val="accent1"/>
+              </a:fillRef>
+              <a:effectRef idx="0">
+                <a:schemeClr val="accent1"/>
+              </a:effectRef>
+              <a:fontRef idx="minor">
+                <a:schemeClr val="lt1"/>
+              </a:fontRef>
+            </p:style>
+            <p:txBody>
+              <a:bodyPr rtlCol="0" anchor="ctr"/>
+              <a:lstStyle/>
+              <a:p>
+                <a:pPr algn="ctr"/>
+                <a14:m>
+                  <m:oMathPara xmlns:m="http://schemas.openxmlformats.org/officeDocument/2006/math">
+                    <m:oMathParaPr>
+                      <m:jc m:val="centerGroup"/>
+                    </m:oMathParaPr>
+                    <m:oMath xmlns:m="http://schemas.openxmlformats.org/officeDocument/2006/math">
+                      <m:r>
+                        <a:rPr lang="fr-FR" b="0" i="1" smtClean="0">
+                          <a:solidFill>
+                            <a:schemeClr val="tx1"/>
+                          </a:solidFill>
+                          <a:latin typeface="Cambria Math" panose="02040503050406030204" pitchFamily="18" charset="0"/>
+                        </a:rPr>
+                        <m:t>𝐾</m:t>
+                      </m:r>
+                    </m:oMath>
+                  </m:oMathPara>
+                </a14:m>
+                <a:endParaRPr lang="fr-FR" b="0" dirty="0">
+                  <a:solidFill>
+                    <a:schemeClr val="tx1"/>
+                  </a:solidFill>
+                </a:endParaRPr>
+              </a:p>
+            </p:txBody>
+          </p:sp>
+        </mc:Choice>
+        <mc:Fallback>
+          <p:sp>
+            <p:nvSpPr>
+              <p:cNvPr id="5" name="Rectangle 4">
+                <a:extLst>
+                  <a:ext uri="{FF2B5EF4-FFF2-40B4-BE49-F238E27FC236}">
+                    <a16:creationId xmlns:a16="http://schemas.microsoft.com/office/drawing/2014/main" id="{C44BCB26-F584-4B0C-9570-006E7F957EB4}"/>
+                  </a:ext>
+                </a:extLst>
+              </p:cNvPr>
+              <p:cNvSpPr>
+                <a:spLocks noRot="1" noChangeAspect="1" noMove="1" noResize="1" noEditPoints="1" noAdjustHandles="1" noChangeArrowheads="1" noChangeShapeType="1" noTextEdit="1"/>
+              </p:cNvSpPr>
+              <p:nvPr/>
+            </p:nvSpPr>
+            <p:spPr>
+              <a:xfrm>
+                <a:off x="3131840" y="1340768"/>
+                <a:ext cx="1008112" cy="432048"/>
+              </a:xfrm>
+              <a:prstGeom prst="rect">
+                <a:avLst/>
+              </a:prstGeom>
+              <a:blipFill>
+                <a:blip r:embed="rId3"/>
+                <a:stretch>
+                  <a:fillRect/>
+                </a:stretch>
+              </a:blipFill>
+              <a:ln w="19050">
+                <a:solidFill>
+                  <a:schemeClr val="accent5">
+                    <a:lumMod val="50000"/>
+                  </a:schemeClr>
+                </a:solidFill>
+              </a:ln>
+            </p:spPr>
+            <p:txBody>
+              <a:bodyPr/>
+              <a:lstStyle/>
+              <a:p>
+                <a:r>
+                  <a:rPr lang="fr-FR">
+                    <a:noFill/>
+                  </a:rPr>
+                  <a:t> </a:t>
+                </a:r>
+              </a:p>
+            </p:txBody>
+          </p:sp>
+        </mc:Fallback>
+      </mc:AlternateContent>
+      <mc:AlternateContent xmlns:mc="http://schemas.openxmlformats.org/markup-compatibility/2006">
+        <mc:Choice xmlns:a14="http://schemas.microsoft.com/office/drawing/2010/main" Requires="a14">
+          <p:sp>
+            <p:nvSpPr>
+              <p:cNvPr id="6" name="Rectangle 5">
+                <a:extLst>
+                  <a:ext uri="{FF2B5EF4-FFF2-40B4-BE49-F238E27FC236}">
+                    <a16:creationId xmlns:a16="http://schemas.microsoft.com/office/drawing/2014/main" id="{4D3FCCB9-16F9-4235-A3AB-E2488B6DBD23}"/>
+                  </a:ext>
+                </a:extLst>
+              </p:cNvPr>
+              <p:cNvSpPr/>
+              <p:nvPr/>
+            </p:nvSpPr>
+            <p:spPr>
+              <a:xfrm>
+                <a:off x="2411760" y="2060848"/>
+                <a:ext cx="1008112" cy="432048"/>
+              </a:xfrm>
+              <a:prstGeom prst="rect">
+                <a:avLst/>
+              </a:prstGeom>
+              <a:noFill/>
+              <a:ln w="19050">
+                <a:solidFill>
+                  <a:schemeClr val="accent5">
+                    <a:lumMod val="50000"/>
+                  </a:schemeClr>
+                </a:solidFill>
+              </a:ln>
+            </p:spPr>
+            <p:style>
+              <a:lnRef idx="2">
+                <a:schemeClr val="accent1">
+                  <a:shade val="50000"/>
+                </a:schemeClr>
+              </a:lnRef>
+              <a:fillRef idx="1">
+                <a:schemeClr val="accent1"/>
+              </a:fillRef>
+              <a:effectRef idx="0">
+                <a:schemeClr val="accent1"/>
+              </a:effectRef>
+              <a:fontRef idx="minor">
+                <a:schemeClr val="lt1"/>
+              </a:fontRef>
+            </p:style>
+            <p:txBody>
+              <a:bodyPr rtlCol="0" anchor="ctr"/>
+              <a:lstStyle/>
+              <a:p>
+                <a:pPr algn="ctr"/>
+                <a14:m>
+                  <m:oMathPara xmlns:m="http://schemas.openxmlformats.org/officeDocument/2006/math">
+                    <m:oMathParaPr>
+                      <m:jc m:val="centerGroup"/>
+                    </m:oMathParaPr>
+                    <m:oMath xmlns:m="http://schemas.openxmlformats.org/officeDocument/2006/math">
+                      <m:r>
+                        <a:rPr lang="fr-FR" b="0" i="1" smtClean="0">
+                          <a:solidFill>
+                            <a:schemeClr val="tx1"/>
+                          </a:solidFill>
+                          <a:latin typeface="Cambria Math" panose="02040503050406030204" pitchFamily="18" charset="0"/>
+                        </a:rPr>
+                        <m:t>𝐾</m:t>
+                      </m:r>
+                    </m:oMath>
+                  </m:oMathPara>
+                </a14:m>
+                <a:endParaRPr lang="fr-FR" b="0" dirty="0">
+                  <a:solidFill>
+                    <a:schemeClr val="tx1"/>
+                  </a:solidFill>
+                </a:endParaRPr>
+              </a:p>
+            </p:txBody>
+          </p:sp>
+        </mc:Choice>
+        <mc:Fallback>
+          <p:sp>
+            <p:nvSpPr>
+              <p:cNvPr id="6" name="Rectangle 5">
+                <a:extLst>
+                  <a:ext uri="{FF2B5EF4-FFF2-40B4-BE49-F238E27FC236}">
+                    <a16:creationId xmlns:a16="http://schemas.microsoft.com/office/drawing/2014/main" id="{4D3FCCB9-16F9-4235-A3AB-E2488B6DBD23}"/>
+                  </a:ext>
+                </a:extLst>
+              </p:cNvPr>
+              <p:cNvSpPr>
+                <a:spLocks noRot="1" noChangeAspect="1" noMove="1" noResize="1" noEditPoints="1" noAdjustHandles="1" noChangeArrowheads="1" noChangeShapeType="1" noTextEdit="1"/>
+              </p:cNvSpPr>
+              <p:nvPr/>
+            </p:nvSpPr>
+            <p:spPr>
+              <a:xfrm>
+                <a:off x="2411760" y="2060848"/>
+                <a:ext cx="1008112" cy="432048"/>
+              </a:xfrm>
+              <a:prstGeom prst="rect">
+                <a:avLst/>
+              </a:prstGeom>
+              <a:blipFill>
+                <a:blip r:embed="rId4"/>
+                <a:stretch>
+                  <a:fillRect/>
+                </a:stretch>
+              </a:blipFill>
+              <a:ln w="19050">
+                <a:solidFill>
+                  <a:schemeClr val="accent5">
+                    <a:lumMod val="50000"/>
+                  </a:schemeClr>
+                </a:solidFill>
+              </a:ln>
+            </p:spPr>
+            <p:txBody>
+              <a:bodyPr/>
+              <a:lstStyle/>
+              <a:p>
+                <a:r>
+                  <a:rPr lang="fr-FR">
+                    <a:noFill/>
+                  </a:rPr>
+                  <a:t> </a:t>
+                </a:r>
+              </a:p>
+            </p:txBody>
+          </p:sp>
+        </mc:Fallback>
+      </mc:AlternateContent>
+      <p:cxnSp>
+        <p:nvCxnSpPr>
+          <p:cNvPr id="9" name="Connecteur droit avec flèche 8">
+            <a:extLst>
+              <a:ext uri="{FF2B5EF4-FFF2-40B4-BE49-F238E27FC236}">
+                <a16:creationId xmlns:a16="http://schemas.microsoft.com/office/drawing/2014/main" id="{A0C84DF9-1FE9-484D-8C6C-3B3F5C502915}"/>
+              </a:ext>
+            </a:extLst>
+          </p:cNvPr>
+          <p:cNvCxnSpPr>
+            <a:cxnSpLocks/>
+          </p:cNvCxnSpPr>
+          <p:nvPr/>
+        </p:nvCxnSpPr>
+        <p:spPr>
+          <a:xfrm>
+            <a:off x="323528" y="1556792"/>
+            <a:ext cx="756104" cy="0"/>
+          </a:xfrm>
+          <a:prstGeom prst="straightConnector1">
+            <a:avLst/>
+          </a:prstGeom>
+          <a:noFill/>
+          <a:ln w="19050">
+            <a:solidFill>
+              <a:schemeClr val="accent5">
+                <a:lumMod val="50000"/>
+              </a:schemeClr>
+            </a:solidFill>
+            <a:tailEnd type="stealth" w="med" len="lg"/>
+          </a:ln>
+        </p:spPr>
+        <p:style>
+          <a:lnRef idx="2">
+            <a:schemeClr val="accent1">
+              <a:shade val="50000"/>
+            </a:schemeClr>
+          </a:lnRef>
+          <a:fillRef idx="1">
+            <a:schemeClr val="accent1"/>
+          </a:fillRef>
+          <a:effectRef idx="0">
+            <a:schemeClr val="accent1"/>
+          </a:effectRef>
+          <a:fontRef idx="minor">
+            <a:schemeClr val="lt1"/>
+          </a:fontRef>
+        </p:style>
+      </p:cxnSp>
+      <p:sp>
+        <p:nvSpPr>
+          <p:cNvPr id="10" name="Organigramme : Jonction de sommaire 9">
+            <a:extLst>
+              <a:ext uri="{FF2B5EF4-FFF2-40B4-BE49-F238E27FC236}">
+                <a16:creationId xmlns:a16="http://schemas.microsoft.com/office/drawing/2014/main" id="{FE3D300A-E1AF-4F69-8D5B-F73F4DB14149}"/>
+              </a:ext>
+            </a:extLst>
+          </p:cNvPr>
+          <p:cNvSpPr/>
+          <p:nvPr/>
+        </p:nvSpPr>
+        <p:spPr>
+          <a:xfrm>
+            <a:off x="1079632" y="1376792"/>
+            <a:ext cx="360000" cy="360000"/>
+          </a:xfrm>
+          <a:prstGeom prst="flowChartSummingJunction">
+            <a:avLst/>
+          </a:prstGeom>
+          <a:noFill/>
+          <a:ln w="19050">
+            <a:solidFill>
+              <a:schemeClr val="accent5">
+                <a:lumMod val="50000"/>
+              </a:schemeClr>
+            </a:solidFill>
+          </a:ln>
+        </p:spPr>
+        <p:style>
+          <a:lnRef idx="2">
+            <a:schemeClr val="accent1">
+              <a:shade val="50000"/>
+            </a:schemeClr>
+          </a:lnRef>
+          <a:fillRef idx="1">
+            <a:schemeClr val="accent1"/>
+          </a:fillRef>
+          <a:effectRef idx="0">
+            <a:schemeClr val="accent1"/>
+          </a:effectRef>
+          <a:fontRef idx="minor">
+            <a:schemeClr val="lt1"/>
+          </a:fontRef>
+        </p:style>
+        <p:txBody>
+          <a:bodyPr rot="0" spcFirstLastPara="0" vertOverflow="overflow" horzOverflow="overflow" vert="horz" wrap="square" lIns="91440" tIns="45720" rIns="91440" bIns="45720" numCol="1" spcCol="0" rtlCol="0" fromWordArt="0" anchor="ctr" anchorCtr="0" forceAA="0" compatLnSpc="1">
+            <a:prstTxWarp prst="textNoShape">
+              <a:avLst/>
+            </a:prstTxWarp>
+            <a:noAutofit/>
+          </a:bodyPr>
+          <a:lstStyle/>
+          <a:p>
+            <a:pPr algn="ctr"/>
+            <a:endParaRPr lang="fr-FR" i="1">
+              <a:solidFill>
+                <a:schemeClr val="tx1"/>
+              </a:solidFill>
+              <a:latin typeface="Cambria Math" panose="02040503050406030204" pitchFamily="18" charset="0"/>
+            </a:endParaRPr>
+          </a:p>
+        </p:txBody>
+      </p:sp>
+      <p:sp>
+        <p:nvSpPr>
+          <p:cNvPr id="12" name="Organigramme : Jonction de sommaire 11">
+            <a:extLst>
+              <a:ext uri="{FF2B5EF4-FFF2-40B4-BE49-F238E27FC236}">
+                <a16:creationId xmlns:a16="http://schemas.microsoft.com/office/drawing/2014/main" id="{C147F942-E421-45DC-9C0D-3F5735B3FDE9}"/>
+              </a:ext>
+            </a:extLst>
+          </p:cNvPr>
+          <p:cNvSpPr/>
+          <p:nvPr/>
+        </p:nvSpPr>
+        <p:spPr>
+          <a:xfrm>
+            <a:off x="4392000" y="1376792"/>
+            <a:ext cx="360000" cy="360000"/>
+          </a:xfrm>
+          <a:prstGeom prst="flowChartSummingJunction">
+            <a:avLst/>
+          </a:prstGeom>
+          <a:noFill/>
+          <a:ln w="19050">
+            <a:solidFill>
+              <a:schemeClr val="accent5">
+                <a:lumMod val="50000"/>
+              </a:schemeClr>
+            </a:solidFill>
+          </a:ln>
+        </p:spPr>
+        <p:style>
+          <a:lnRef idx="2">
+            <a:schemeClr val="accent1">
+              <a:shade val="50000"/>
+            </a:schemeClr>
+          </a:lnRef>
+          <a:fillRef idx="1">
+            <a:schemeClr val="accent1"/>
+          </a:fillRef>
+          <a:effectRef idx="0">
+            <a:schemeClr val="accent1"/>
+          </a:effectRef>
+          <a:fontRef idx="minor">
+            <a:schemeClr val="lt1"/>
+          </a:fontRef>
+        </p:style>
+        <p:txBody>
+          <a:bodyPr rot="0" spcFirstLastPara="0" vertOverflow="overflow" horzOverflow="overflow" vert="horz" wrap="square" lIns="91440" tIns="45720" rIns="91440" bIns="45720" numCol="1" spcCol="0" rtlCol="0" fromWordArt="0" anchor="ctr" anchorCtr="0" forceAA="0" compatLnSpc="1">
+            <a:prstTxWarp prst="textNoShape">
+              <a:avLst/>
+            </a:prstTxWarp>
+            <a:noAutofit/>
+          </a:bodyPr>
+          <a:lstStyle/>
+          <a:p>
+            <a:pPr algn="ctr"/>
+            <a:endParaRPr lang="fr-FR" i="1">
+              <a:solidFill>
+                <a:schemeClr val="tx1"/>
+              </a:solidFill>
+              <a:latin typeface="Cambria Math" panose="02040503050406030204" pitchFamily="18" charset="0"/>
+            </a:endParaRPr>
+          </a:p>
+        </p:txBody>
+      </p:sp>
+      <p:cxnSp>
+        <p:nvCxnSpPr>
+          <p:cNvPr id="13" name="Connecteur droit avec flèche 12">
+            <a:extLst>
+              <a:ext uri="{FF2B5EF4-FFF2-40B4-BE49-F238E27FC236}">
+                <a16:creationId xmlns:a16="http://schemas.microsoft.com/office/drawing/2014/main" id="{1B25A21C-3640-4A8A-B925-F0C9A939B82C}"/>
+              </a:ext>
+            </a:extLst>
+          </p:cNvPr>
+          <p:cNvCxnSpPr>
+            <a:cxnSpLocks/>
+            <a:stCxn id="10" idx="6"/>
+            <a:endCxn id="4" idx="1"/>
+          </p:cNvCxnSpPr>
+          <p:nvPr/>
+        </p:nvCxnSpPr>
+        <p:spPr>
+          <a:xfrm>
+            <a:off x="1439632" y="1556792"/>
+            <a:ext cx="252048" cy="0"/>
+          </a:xfrm>
+          <a:prstGeom prst="straightConnector1">
+            <a:avLst/>
+          </a:prstGeom>
+          <a:noFill/>
+          <a:ln w="19050">
+            <a:solidFill>
+              <a:schemeClr val="accent5">
+                <a:lumMod val="50000"/>
+              </a:schemeClr>
+            </a:solidFill>
+            <a:tailEnd type="stealth" w="med" len="lg"/>
+          </a:ln>
+        </p:spPr>
+        <p:style>
+          <a:lnRef idx="2">
+            <a:schemeClr val="accent1">
+              <a:shade val="50000"/>
+            </a:schemeClr>
+          </a:lnRef>
+          <a:fillRef idx="1">
+            <a:schemeClr val="accent1"/>
+          </a:fillRef>
+          <a:effectRef idx="0">
+            <a:schemeClr val="accent1"/>
+          </a:effectRef>
+          <a:fontRef idx="minor">
+            <a:schemeClr val="lt1"/>
+          </a:fontRef>
+        </p:style>
+      </p:cxnSp>
+      <p:cxnSp>
+        <p:nvCxnSpPr>
+          <p:cNvPr id="17" name="Connecteur droit avec flèche 16">
+            <a:extLst>
+              <a:ext uri="{FF2B5EF4-FFF2-40B4-BE49-F238E27FC236}">
+                <a16:creationId xmlns:a16="http://schemas.microsoft.com/office/drawing/2014/main" id="{CBF85DDD-5522-4793-BA39-3AC2D726A3EB}"/>
+              </a:ext>
+            </a:extLst>
+          </p:cNvPr>
+          <p:cNvCxnSpPr>
+            <a:cxnSpLocks/>
+            <a:stCxn id="4" idx="3"/>
+            <a:endCxn id="5" idx="1"/>
+          </p:cNvCxnSpPr>
+          <p:nvPr/>
+        </p:nvCxnSpPr>
+        <p:spPr>
+          <a:xfrm>
+            <a:off x="2699792" y="1556792"/>
+            <a:ext cx="432048" cy="0"/>
+          </a:xfrm>
+          <a:prstGeom prst="straightConnector1">
+            <a:avLst/>
+          </a:prstGeom>
+          <a:noFill/>
+          <a:ln w="19050">
+            <a:solidFill>
+              <a:schemeClr val="accent5">
+                <a:lumMod val="50000"/>
+              </a:schemeClr>
+            </a:solidFill>
+            <a:tailEnd type="stealth" w="med" len="lg"/>
+          </a:ln>
+        </p:spPr>
+        <p:style>
+          <a:lnRef idx="2">
+            <a:schemeClr val="accent1">
+              <a:shade val="50000"/>
+            </a:schemeClr>
+          </a:lnRef>
+          <a:fillRef idx="1">
+            <a:schemeClr val="accent1"/>
+          </a:fillRef>
+          <a:effectRef idx="0">
+            <a:schemeClr val="accent1"/>
+          </a:effectRef>
+          <a:fontRef idx="minor">
+            <a:schemeClr val="lt1"/>
+          </a:fontRef>
+        </p:style>
+      </p:cxnSp>
+      <p:cxnSp>
+        <p:nvCxnSpPr>
+          <p:cNvPr id="20" name="Connecteur droit avec flèche 19">
+            <a:extLst>
+              <a:ext uri="{FF2B5EF4-FFF2-40B4-BE49-F238E27FC236}">
+                <a16:creationId xmlns:a16="http://schemas.microsoft.com/office/drawing/2014/main" id="{398D9555-3AF5-4B4E-B672-0C155070B2FF}"/>
+              </a:ext>
+            </a:extLst>
+          </p:cNvPr>
+          <p:cNvCxnSpPr>
+            <a:cxnSpLocks/>
+            <a:stCxn id="5" idx="3"/>
+          </p:cNvCxnSpPr>
+          <p:nvPr/>
+        </p:nvCxnSpPr>
+        <p:spPr>
+          <a:xfrm>
+            <a:off x="4139952" y="1556792"/>
+            <a:ext cx="252048" cy="0"/>
+          </a:xfrm>
+          <a:prstGeom prst="straightConnector1">
+            <a:avLst/>
+          </a:prstGeom>
+          <a:noFill/>
+          <a:ln w="19050">
+            <a:solidFill>
+              <a:schemeClr val="accent5">
+                <a:lumMod val="50000"/>
+              </a:schemeClr>
+            </a:solidFill>
+            <a:tailEnd type="stealth" w="med" len="lg"/>
+          </a:ln>
+        </p:spPr>
+        <p:style>
+          <a:lnRef idx="2">
+            <a:schemeClr val="accent1">
+              <a:shade val="50000"/>
+            </a:schemeClr>
+          </a:lnRef>
+          <a:fillRef idx="1">
+            <a:schemeClr val="accent1"/>
+          </a:fillRef>
+          <a:effectRef idx="0">
+            <a:schemeClr val="accent1"/>
+          </a:effectRef>
+          <a:fontRef idx="minor">
+            <a:schemeClr val="lt1"/>
+          </a:fontRef>
+        </p:style>
+      </p:cxnSp>
+      <p:cxnSp>
+        <p:nvCxnSpPr>
+          <p:cNvPr id="22" name="Connecteur droit avec flèche 21">
+            <a:extLst>
+              <a:ext uri="{FF2B5EF4-FFF2-40B4-BE49-F238E27FC236}">
+                <a16:creationId xmlns:a16="http://schemas.microsoft.com/office/drawing/2014/main" id="{E284C4AE-8963-4262-ABFE-0C26945D1D5C}"/>
+              </a:ext>
+            </a:extLst>
+          </p:cNvPr>
+          <p:cNvCxnSpPr>
+            <a:cxnSpLocks/>
+          </p:cNvCxnSpPr>
+          <p:nvPr/>
+        </p:nvCxnSpPr>
+        <p:spPr>
+          <a:xfrm>
+            <a:off x="6322428" y="1569264"/>
+            <a:ext cx="0" cy="727152"/>
+          </a:xfrm>
+          <a:prstGeom prst="straightConnector1">
+            <a:avLst/>
+          </a:prstGeom>
+          <a:noFill/>
+          <a:ln w="19050">
+            <a:solidFill>
+              <a:schemeClr val="accent5">
+                <a:lumMod val="50000"/>
+              </a:schemeClr>
+            </a:solidFill>
+            <a:tailEnd type="none" w="med" len="lg"/>
+          </a:ln>
+        </p:spPr>
+        <p:style>
+          <a:lnRef idx="2">
+            <a:schemeClr val="accent1">
+              <a:shade val="50000"/>
+            </a:schemeClr>
+          </a:lnRef>
+          <a:fillRef idx="1">
+            <a:schemeClr val="accent1"/>
+          </a:fillRef>
+          <a:effectRef idx="0">
+            <a:schemeClr val="accent1"/>
+          </a:effectRef>
+          <a:fontRef idx="minor">
+            <a:schemeClr val="lt1"/>
+          </a:fontRef>
+        </p:style>
+      </p:cxnSp>
+      <p:cxnSp>
+        <p:nvCxnSpPr>
+          <p:cNvPr id="25" name="Connecteur droit avec flèche 24">
+            <a:extLst>
+              <a:ext uri="{FF2B5EF4-FFF2-40B4-BE49-F238E27FC236}">
+                <a16:creationId xmlns:a16="http://schemas.microsoft.com/office/drawing/2014/main" id="{B3D9C478-833A-4761-8CF5-E73B985859F3}"/>
+              </a:ext>
+            </a:extLst>
+          </p:cNvPr>
+          <p:cNvCxnSpPr>
+            <a:cxnSpLocks/>
+            <a:endCxn id="6" idx="3"/>
+          </p:cNvCxnSpPr>
+          <p:nvPr/>
+        </p:nvCxnSpPr>
+        <p:spPr>
+          <a:xfrm flipH="1" flipV="1">
+            <a:off x="3419872" y="2276872"/>
+            <a:ext cx="2902556" cy="19544"/>
+          </a:xfrm>
+          <a:prstGeom prst="straightConnector1">
+            <a:avLst/>
+          </a:prstGeom>
+          <a:noFill/>
+          <a:ln w="19050">
+            <a:solidFill>
+              <a:schemeClr val="accent5">
+                <a:lumMod val="50000"/>
+              </a:schemeClr>
+            </a:solidFill>
+            <a:tailEnd type="stealth" w="med" len="lg"/>
+          </a:ln>
+        </p:spPr>
+        <p:style>
+          <a:lnRef idx="2">
+            <a:schemeClr val="accent1">
+              <a:shade val="50000"/>
+            </a:schemeClr>
+          </a:lnRef>
+          <a:fillRef idx="1">
+            <a:schemeClr val="accent1"/>
+          </a:fillRef>
+          <a:effectRef idx="0">
+            <a:schemeClr val="accent1"/>
+          </a:effectRef>
+          <a:fontRef idx="minor">
+            <a:schemeClr val="lt1"/>
+          </a:fontRef>
+        </p:style>
+      </p:cxnSp>
+      <p:cxnSp>
+        <p:nvCxnSpPr>
+          <p:cNvPr id="28" name="Connecteur droit avec flèche 27">
+            <a:extLst>
+              <a:ext uri="{FF2B5EF4-FFF2-40B4-BE49-F238E27FC236}">
+                <a16:creationId xmlns:a16="http://schemas.microsoft.com/office/drawing/2014/main" id="{D9408D2A-FA4B-45BD-8583-92FB1EB84695}"/>
+              </a:ext>
+            </a:extLst>
+          </p:cNvPr>
+          <p:cNvCxnSpPr>
+            <a:cxnSpLocks/>
+            <a:endCxn id="10" idx="4"/>
+          </p:cNvCxnSpPr>
+          <p:nvPr/>
+        </p:nvCxnSpPr>
+        <p:spPr>
+          <a:xfrm flipV="1">
+            <a:off x="1259632" y="1736792"/>
+            <a:ext cx="0" cy="540079"/>
+          </a:xfrm>
+          <a:prstGeom prst="straightConnector1">
+            <a:avLst/>
+          </a:prstGeom>
+          <a:noFill/>
+          <a:ln w="19050">
+            <a:solidFill>
+              <a:schemeClr val="accent5">
+                <a:lumMod val="50000"/>
+              </a:schemeClr>
+            </a:solidFill>
+            <a:tailEnd type="stealth" w="med" len="lg"/>
+          </a:ln>
+        </p:spPr>
+        <p:style>
+          <a:lnRef idx="2">
+            <a:schemeClr val="accent1">
+              <a:shade val="50000"/>
+            </a:schemeClr>
+          </a:lnRef>
+          <a:fillRef idx="1">
+            <a:schemeClr val="accent1"/>
+          </a:fillRef>
+          <a:effectRef idx="0">
+            <a:schemeClr val="accent1"/>
+          </a:effectRef>
+          <a:fontRef idx="minor">
+            <a:schemeClr val="lt1"/>
+          </a:fontRef>
+        </p:style>
+      </p:cxnSp>
+      <p:cxnSp>
+        <p:nvCxnSpPr>
+          <p:cNvPr id="31" name="Connecteur droit avec flèche 30">
+            <a:extLst>
+              <a:ext uri="{FF2B5EF4-FFF2-40B4-BE49-F238E27FC236}">
+                <a16:creationId xmlns:a16="http://schemas.microsoft.com/office/drawing/2014/main" id="{F9CC95FE-7956-403B-8009-A7D0AA02B45B}"/>
+              </a:ext>
+            </a:extLst>
+          </p:cNvPr>
+          <p:cNvCxnSpPr>
+            <a:cxnSpLocks/>
+            <a:stCxn id="6" idx="1"/>
+          </p:cNvCxnSpPr>
+          <p:nvPr/>
+        </p:nvCxnSpPr>
+        <p:spPr>
+          <a:xfrm flipH="1">
+            <a:off x="1266392" y="2276872"/>
+            <a:ext cx="1145368" cy="0"/>
+          </a:xfrm>
+          <a:prstGeom prst="straightConnector1">
+            <a:avLst/>
+          </a:prstGeom>
+          <a:noFill/>
+          <a:ln w="19050">
+            <a:solidFill>
+              <a:schemeClr val="accent5">
+                <a:lumMod val="50000"/>
+              </a:schemeClr>
+            </a:solidFill>
+            <a:tailEnd type="none" w="med" len="lg"/>
+          </a:ln>
+        </p:spPr>
+        <p:style>
+          <a:lnRef idx="2">
+            <a:schemeClr val="accent1">
+              <a:shade val="50000"/>
+            </a:schemeClr>
+          </a:lnRef>
+          <a:fillRef idx="1">
+            <a:schemeClr val="accent1"/>
+          </a:fillRef>
+          <a:effectRef idx="0">
+            <a:schemeClr val="accent1"/>
+          </a:effectRef>
+          <a:fontRef idx="minor">
+            <a:schemeClr val="lt1"/>
+          </a:fontRef>
+        </p:style>
+      </p:cxnSp>
+      <p:cxnSp>
+        <p:nvCxnSpPr>
+          <p:cNvPr id="40" name="Connecteur droit avec flèche 39">
+            <a:extLst>
+              <a:ext uri="{FF2B5EF4-FFF2-40B4-BE49-F238E27FC236}">
+                <a16:creationId xmlns:a16="http://schemas.microsoft.com/office/drawing/2014/main" id="{E3ACE995-190A-4AEB-91FC-683028B547F8}"/>
+              </a:ext>
+            </a:extLst>
+          </p:cNvPr>
+          <p:cNvCxnSpPr>
+            <a:cxnSpLocks/>
+          </p:cNvCxnSpPr>
+          <p:nvPr/>
+        </p:nvCxnSpPr>
+        <p:spPr>
+          <a:xfrm flipH="1">
+            <a:off x="3419872" y="836712"/>
+            <a:ext cx="1152128" cy="0"/>
+          </a:xfrm>
+          <a:prstGeom prst="straightConnector1">
+            <a:avLst/>
+          </a:prstGeom>
+          <a:noFill/>
+          <a:ln w="19050">
+            <a:solidFill>
+              <a:schemeClr val="accent5">
+                <a:lumMod val="50000"/>
+              </a:schemeClr>
+            </a:solidFill>
+            <a:tailEnd type="none" w="med" len="lg"/>
+          </a:ln>
+        </p:spPr>
+        <p:style>
+          <a:lnRef idx="2">
+            <a:schemeClr val="accent1">
+              <a:shade val="50000"/>
+            </a:schemeClr>
+          </a:lnRef>
+          <a:fillRef idx="1">
+            <a:schemeClr val="accent1"/>
+          </a:fillRef>
+          <a:effectRef idx="0">
+            <a:schemeClr val="accent1"/>
+          </a:effectRef>
+          <a:fontRef idx="minor">
+            <a:schemeClr val="lt1"/>
+          </a:fontRef>
+        </p:style>
+      </p:cxnSp>
+      <p:cxnSp>
+        <p:nvCxnSpPr>
+          <p:cNvPr id="45" name="Connecteur droit avec flèche 44">
+            <a:extLst>
+              <a:ext uri="{FF2B5EF4-FFF2-40B4-BE49-F238E27FC236}">
+                <a16:creationId xmlns:a16="http://schemas.microsoft.com/office/drawing/2014/main" id="{F79B3126-1C0A-4A29-934D-D2BBFC74947F}"/>
+              </a:ext>
+            </a:extLst>
+          </p:cNvPr>
+          <p:cNvCxnSpPr>
+            <a:cxnSpLocks/>
+            <a:endCxn id="12" idx="0"/>
+          </p:cNvCxnSpPr>
+          <p:nvPr/>
+        </p:nvCxnSpPr>
+        <p:spPr>
+          <a:xfrm>
+            <a:off x="4572000" y="836711"/>
+            <a:ext cx="0" cy="540081"/>
+          </a:xfrm>
+          <a:prstGeom prst="straightConnector1">
+            <a:avLst/>
+          </a:prstGeom>
+          <a:noFill/>
+          <a:ln w="19050">
+            <a:solidFill>
+              <a:schemeClr val="accent5">
+                <a:lumMod val="50000"/>
+              </a:schemeClr>
+            </a:solidFill>
+            <a:tailEnd type="stealth" w="med" len="lg"/>
+          </a:ln>
+        </p:spPr>
+        <p:style>
+          <a:lnRef idx="2">
+            <a:schemeClr val="accent1">
+              <a:shade val="50000"/>
+            </a:schemeClr>
+          </a:lnRef>
+          <a:fillRef idx="1">
+            <a:schemeClr val="accent1"/>
+          </a:fillRef>
+          <a:effectRef idx="0">
+            <a:schemeClr val="accent1"/>
+          </a:effectRef>
+          <a:fontRef idx="minor">
+            <a:schemeClr val="lt1"/>
+          </a:fontRef>
+        </p:style>
+      </p:cxnSp>
+      <p:cxnSp>
+        <p:nvCxnSpPr>
+          <p:cNvPr id="48" name="Connecteur droit avec flèche 47">
+            <a:extLst>
+              <a:ext uri="{FF2B5EF4-FFF2-40B4-BE49-F238E27FC236}">
+                <a16:creationId xmlns:a16="http://schemas.microsoft.com/office/drawing/2014/main" id="{D2C9F780-ADB8-4059-8D44-6208A533DAFD}"/>
+              </a:ext>
+            </a:extLst>
+          </p:cNvPr>
+          <p:cNvCxnSpPr>
+            <a:cxnSpLocks/>
+            <a:stCxn id="12" idx="6"/>
+          </p:cNvCxnSpPr>
+          <p:nvPr/>
+        </p:nvCxnSpPr>
+        <p:spPr>
+          <a:xfrm>
+            <a:off x="4752000" y="1556792"/>
+            <a:ext cx="252048" cy="0"/>
+          </a:xfrm>
+          <a:prstGeom prst="straightConnector1">
+            <a:avLst/>
+          </a:prstGeom>
+          <a:noFill/>
+          <a:ln w="19050">
+            <a:solidFill>
+              <a:schemeClr val="accent5">
+                <a:lumMod val="50000"/>
+              </a:schemeClr>
+            </a:solidFill>
+            <a:tailEnd type="stealth" w="med" len="lg"/>
+          </a:ln>
+        </p:spPr>
+        <p:style>
+          <a:lnRef idx="2">
+            <a:schemeClr val="accent1">
+              <a:shade val="50000"/>
+            </a:schemeClr>
+          </a:lnRef>
+          <a:fillRef idx="1">
+            <a:schemeClr val="accent1"/>
+          </a:fillRef>
+          <a:effectRef idx="0">
+            <a:schemeClr val="accent1"/>
+          </a:effectRef>
+          <a:fontRef idx="minor">
+            <a:schemeClr val="lt1"/>
+          </a:fontRef>
+        </p:style>
+      </p:cxnSp>
+      <mc:AlternateContent xmlns:mc="http://schemas.openxmlformats.org/markup-compatibility/2006">
+        <mc:Choice xmlns:a14="http://schemas.microsoft.com/office/drawing/2010/main" Requires="a14">
+          <p:sp>
+            <p:nvSpPr>
+              <p:cNvPr id="50" name="Rectangle 49">
+                <a:extLst>
+                  <a:ext uri="{FF2B5EF4-FFF2-40B4-BE49-F238E27FC236}">
+                    <a16:creationId xmlns:a16="http://schemas.microsoft.com/office/drawing/2014/main" id="{03EE775E-0EEF-42AB-A565-ADE23A291062}"/>
+                  </a:ext>
+                </a:extLst>
+              </p:cNvPr>
+              <p:cNvSpPr/>
+              <p:nvPr/>
+            </p:nvSpPr>
+            <p:spPr>
+              <a:xfrm>
+                <a:off x="213857" y="1183930"/>
+                <a:ext cx="723403" cy="369332"/>
+              </a:xfrm>
+              <a:prstGeom prst="rect">
+                <a:avLst/>
+              </a:prstGeom>
+            </p:spPr>
+            <p:txBody>
+              <a:bodyPr wrap="none">
+                <a:spAutoFit/>
+              </a:bodyPr>
+              <a:lstStyle/>
+              <a:p>
+                <a:pPr/>
+                <a14:m>
+                  <m:oMathPara xmlns:m="http://schemas.openxmlformats.org/officeDocument/2006/math">
+                    <m:oMathParaPr>
+                      <m:jc m:val="centerGroup"/>
+                    </m:oMathParaPr>
+                    <m:oMath xmlns:m="http://schemas.openxmlformats.org/officeDocument/2006/math">
+                      <m:r>
+                        <a:rPr lang="fr-FR" b="0" i="1" smtClean="0">
+                          <a:latin typeface="Cambria Math" panose="02040503050406030204" pitchFamily="18" charset="0"/>
+                        </a:rPr>
+                        <m:t>𝑈</m:t>
+                      </m:r>
+                      <m:d>
+                        <m:dPr>
+                          <m:ctrlPr>
+                            <a:rPr lang="fr-FR" i="1">
+                              <a:latin typeface="Cambria Math" panose="02040503050406030204" pitchFamily="18" charset="0"/>
+                            </a:rPr>
+                          </m:ctrlPr>
+                        </m:dPr>
+                        <m:e>
+                          <m:r>
+                            <a:rPr lang="fr-FR" i="1">
+                              <a:latin typeface="Cambria Math" panose="02040503050406030204" pitchFamily="18" charset="0"/>
+                            </a:rPr>
+                            <m:t>𝑝</m:t>
+                          </m:r>
+                        </m:e>
+                      </m:d>
+                    </m:oMath>
+                  </m:oMathPara>
+                </a14:m>
+                <a:endParaRPr lang="fr-FR" dirty="0"/>
+              </a:p>
+            </p:txBody>
+          </p:sp>
+        </mc:Choice>
+        <mc:Fallback>
+          <p:sp>
+            <p:nvSpPr>
+              <p:cNvPr id="50" name="Rectangle 49">
+                <a:extLst>
+                  <a:ext uri="{FF2B5EF4-FFF2-40B4-BE49-F238E27FC236}">
+                    <a16:creationId xmlns:a16="http://schemas.microsoft.com/office/drawing/2014/main" id="{03EE775E-0EEF-42AB-A565-ADE23A291062}"/>
+                  </a:ext>
+                </a:extLst>
+              </p:cNvPr>
+              <p:cNvSpPr>
+                <a:spLocks noRot="1" noChangeAspect="1" noMove="1" noResize="1" noEditPoints="1" noAdjustHandles="1" noChangeArrowheads="1" noChangeShapeType="1" noTextEdit="1"/>
+              </p:cNvSpPr>
+              <p:nvPr/>
+            </p:nvSpPr>
+            <p:spPr>
+              <a:xfrm>
+                <a:off x="213857" y="1183930"/>
+                <a:ext cx="723403" cy="369332"/>
+              </a:xfrm>
+              <a:prstGeom prst="rect">
+                <a:avLst/>
+              </a:prstGeom>
+              <a:blipFill>
+                <a:blip r:embed="rId5"/>
+                <a:stretch>
+                  <a:fillRect b="-6557"/>
+                </a:stretch>
+              </a:blipFill>
+            </p:spPr>
+            <p:txBody>
+              <a:bodyPr/>
+              <a:lstStyle/>
+              <a:p>
+                <a:r>
+                  <a:rPr lang="fr-FR">
+                    <a:noFill/>
+                  </a:rPr>
+                  <a:t> </a:t>
+                </a:r>
+              </a:p>
+            </p:txBody>
+          </p:sp>
+        </mc:Fallback>
+      </mc:AlternateContent>
+      <mc:AlternateContent xmlns:mc="http://schemas.openxmlformats.org/markup-compatibility/2006" xmlns:a14="http://schemas.microsoft.com/office/drawing/2010/main">
+        <mc:Choice Requires="a14">
+          <p:sp>
+            <p:nvSpPr>
+              <p:cNvPr id="52" name="Rectangle 51">
+                <a:extLst>
+                  <a:ext uri="{FF2B5EF4-FFF2-40B4-BE49-F238E27FC236}">
+                    <a16:creationId xmlns:a16="http://schemas.microsoft.com/office/drawing/2014/main" id="{4FE9CC29-1A01-452E-9FAF-EF1A71424476}"/>
+                  </a:ext>
+                </a:extLst>
+              </p:cNvPr>
+              <p:cNvSpPr/>
+              <p:nvPr/>
+            </p:nvSpPr>
+            <p:spPr>
+              <a:xfrm>
+                <a:off x="978135" y="1388863"/>
+                <a:ext cx="359393" cy="307777"/>
+              </a:xfrm>
+              <a:prstGeom prst="rect">
+                <a:avLst/>
+              </a:prstGeom>
+            </p:spPr>
+            <p:txBody>
+              <a:bodyPr wrap="none">
+                <a:spAutoFit/>
+              </a:bodyPr>
+              <a:lstStyle/>
+              <a:p>
+                <a:pPr/>
+                <a14:m>
+                  <m:oMathPara xmlns:m="http://schemas.openxmlformats.org/officeDocument/2006/math">
+                    <m:oMathParaPr>
+                      <m:jc m:val="centerGroup"/>
+                    </m:oMathParaPr>
+                    <m:oMath xmlns:m="http://schemas.openxmlformats.org/officeDocument/2006/math">
+                      <m:r>
+                        <a:rPr lang="fr-FR" sz="1400" b="1" i="0" smtClean="0">
+                          <a:latin typeface="Cambria Math" panose="02040503050406030204" pitchFamily="18" charset="0"/>
+                        </a:rPr>
+                        <m:t>+</m:t>
+                      </m:r>
+                    </m:oMath>
+                  </m:oMathPara>
+                </a14:m>
+                <a:endParaRPr lang="fr-FR" sz="1400" b="1" dirty="0"/>
+              </a:p>
+            </p:txBody>
+          </p:sp>
+        </mc:Choice>
+        <mc:Fallback xmlns="">
+          <p:sp>
+            <p:nvSpPr>
+              <p:cNvPr id="52" name="Rectangle 51">
+                <a:extLst>
+                  <a:ext uri="{FF2B5EF4-FFF2-40B4-BE49-F238E27FC236}">
+                    <a16:creationId xmlns:a16="http://schemas.microsoft.com/office/drawing/2014/main" id="{4FE9CC29-1A01-452E-9FAF-EF1A71424476}"/>
+                  </a:ext>
+                </a:extLst>
+              </p:cNvPr>
+              <p:cNvSpPr>
+                <a:spLocks noRot="1" noChangeAspect="1" noMove="1" noResize="1" noEditPoints="1" noAdjustHandles="1" noChangeArrowheads="1" noChangeShapeType="1" noTextEdit="1"/>
+              </p:cNvSpPr>
+              <p:nvPr/>
+            </p:nvSpPr>
+            <p:spPr>
+              <a:xfrm>
+                <a:off x="978135" y="1388863"/>
+                <a:ext cx="359393" cy="307777"/>
+              </a:xfrm>
+              <a:prstGeom prst="rect">
+                <a:avLst/>
+              </a:prstGeom>
+              <a:blipFill>
+                <a:blip r:embed="rId8"/>
+                <a:stretch>
+                  <a:fillRect/>
+                </a:stretch>
+              </a:blipFill>
+            </p:spPr>
+            <p:txBody>
+              <a:bodyPr/>
+              <a:lstStyle/>
+              <a:p>
+                <a:r>
+                  <a:rPr lang="fr-FR">
+                    <a:noFill/>
+                  </a:rPr>
+                  <a:t> </a:t>
+                </a:r>
+              </a:p>
+            </p:txBody>
+          </p:sp>
+        </mc:Fallback>
+      </mc:AlternateContent>
+      <mc:AlternateContent xmlns:mc="http://schemas.openxmlformats.org/markup-compatibility/2006" xmlns:a14="http://schemas.microsoft.com/office/drawing/2010/main">
+        <mc:Choice Requires="a14">
+          <p:sp>
+            <p:nvSpPr>
+              <p:cNvPr id="53" name="Rectangle 52">
+                <a:extLst>
+                  <a:ext uri="{FF2B5EF4-FFF2-40B4-BE49-F238E27FC236}">
+                    <a16:creationId xmlns:a16="http://schemas.microsoft.com/office/drawing/2014/main" id="{89E6E0B9-D37E-4E7F-AEE9-9CEC7780FAFF}"/>
+                  </a:ext>
+                </a:extLst>
+              </p:cNvPr>
+              <p:cNvSpPr/>
+              <p:nvPr/>
+            </p:nvSpPr>
+            <p:spPr>
+              <a:xfrm>
+                <a:off x="1080478" y="1492158"/>
+                <a:ext cx="359393" cy="307777"/>
+              </a:xfrm>
+              <a:prstGeom prst="rect">
+                <a:avLst/>
+              </a:prstGeom>
+            </p:spPr>
+            <p:txBody>
+              <a:bodyPr wrap="none">
+                <a:spAutoFit/>
+              </a:bodyPr>
+              <a:lstStyle/>
+              <a:p>
+                <a:pPr/>
+                <a14:m>
+                  <m:oMathPara xmlns:m="http://schemas.openxmlformats.org/officeDocument/2006/math">
+                    <m:oMathParaPr>
+                      <m:jc m:val="centerGroup"/>
+                    </m:oMathParaPr>
+                    <m:oMath xmlns:m="http://schemas.openxmlformats.org/officeDocument/2006/math">
+                      <m:r>
+                        <a:rPr lang="fr-FR" sz="1400" b="0" i="1" smtClean="0">
+                          <a:latin typeface="Cambria Math" panose="02040503050406030204" pitchFamily="18" charset="0"/>
+                        </a:rPr>
+                        <m:t>−</m:t>
+                      </m:r>
+                    </m:oMath>
+                  </m:oMathPara>
+                </a14:m>
+                <a:endParaRPr lang="fr-FR" sz="1400" dirty="0"/>
+              </a:p>
+            </p:txBody>
+          </p:sp>
+        </mc:Choice>
+        <mc:Fallback xmlns="">
+          <p:sp>
+            <p:nvSpPr>
+              <p:cNvPr id="53" name="Rectangle 52">
+                <a:extLst>
+                  <a:ext uri="{FF2B5EF4-FFF2-40B4-BE49-F238E27FC236}">
+                    <a16:creationId xmlns:a16="http://schemas.microsoft.com/office/drawing/2014/main" id="{89E6E0B9-D37E-4E7F-AEE9-9CEC7780FAFF}"/>
+                  </a:ext>
+                </a:extLst>
+              </p:cNvPr>
+              <p:cNvSpPr>
+                <a:spLocks noRot="1" noChangeAspect="1" noMove="1" noResize="1" noEditPoints="1" noAdjustHandles="1" noChangeArrowheads="1" noChangeShapeType="1" noTextEdit="1"/>
+              </p:cNvSpPr>
+              <p:nvPr/>
+            </p:nvSpPr>
+            <p:spPr>
+              <a:xfrm>
+                <a:off x="1080478" y="1492158"/>
+                <a:ext cx="359393" cy="307777"/>
+              </a:xfrm>
+              <a:prstGeom prst="rect">
+                <a:avLst/>
+              </a:prstGeom>
+              <a:blipFill>
+                <a:blip r:embed="rId9"/>
+                <a:stretch>
+                  <a:fillRect/>
+                </a:stretch>
+              </a:blipFill>
+            </p:spPr>
+            <p:txBody>
+              <a:bodyPr/>
+              <a:lstStyle/>
+              <a:p>
+                <a:r>
+                  <a:rPr lang="fr-FR">
+                    <a:noFill/>
+                  </a:rPr>
+                  <a:t> </a:t>
+                </a:r>
+              </a:p>
+            </p:txBody>
+          </p:sp>
+        </mc:Fallback>
+      </mc:AlternateContent>
+      <mc:AlternateContent xmlns:mc="http://schemas.openxmlformats.org/markup-compatibility/2006" xmlns:a14="http://schemas.microsoft.com/office/drawing/2010/main">
+        <mc:Choice Requires="a14">
+          <p:sp>
+            <p:nvSpPr>
+              <p:cNvPr id="61" name="Rectangle 60">
+                <a:extLst>
+                  <a:ext uri="{FF2B5EF4-FFF2-40B4-BE49-F238E27FC236}">
+                    <a16:creationId xmlns:a16="http://schemas.microsoft.com/office/drawing/2014/main" id="{5BFA26FC-858F-48DB-B112-623760E684DF}"/>
+                  </a:ext>
+                </a:extLst>
+              </p:cNvPr>
+              <p:cNvSpPr/>
+              <p:nvPr/>
+            </p:nvSpPr>
+            <p:spPr>
+              <a:xfrm>
+                <a:off x="4297843" y="1395830"/>
+                <a:ext cx="359393" cy="307777"/>
+              </a:xfrm>
+              <a:prstGeom prst="rect">
+                <a:avLst/>
+              </a:prstGeom>
+            </p:spPr>
+            <p:txBody>
+              <a:bodyPr wrap="none">
+                <a:spAutoFit/>
+              </a:bodyPr>
+              <a:lstStyle/>
+              <a:p>
+                <a:pPr/>
+                <a14:m>
+                  <m:oMathPara xmlns:m="http://schemas.openxmlformats.org/officeDocument/2006/math">
+                    <m:oMathParaPr>
+                      <m:jc m:val="centerGroup"/>
+                    </m:oMathParaPr>
+                    <m:oMath xmlns:m="http://schemas.openxmlformats.org/officeDocument/2006/math">
+                      <m:r>
+                        <a:rPr lang="fr-FR" sz="1400" b="1" i="0" smtClean="0">
+                          <a:latin typeface="Cambria Math" panose="02040503050406030204" pitchFamily="18" charset="0"/>
+                        </a:rPr>
+                        <m:t>+</m:t>
+                      </m:r>
+                    </m:oMath>
+                  </m:oMathPara>
+                </a14:m>
+                <a:endParaRPr lang="fr-FR" sz="1400" b="1" dirty="0"/>
+              </a:p>
+            </p:txBody>
+          </p:sp>
+        </mc:Choice>
+        <mc:Fallback xmlns="">
+          <p:sp>
+            <p:nvSpPr>
+              <p:cNvPr id="61" name="Rectangle 60">
+                <a:extLst>
+                  <a:ext uri="{FF2B5EF4-FFF2-40B4-BE49-F238E27FC236}">
+                    <a16:creationId xmlns:a16="http://schemas.microsoft.com/office/drawing/2014/main" id="{5BFA26FC-858F-48DB-B112-623760E684DF}"/>
+                  </a:ext>
+                </a:extLst>
+              </p:cNvPr>
+              <p:cNvSpPr>
+                <a:spLocks noRot="1" noChangeAspect="1" noMove="1" noResize="1" noEditPoints="1" noAdjustHandles="1" noChangeArrowheads="1" noChangeShapeType="1" noTextEdit="1"/>
+              </p:cNvSpPr>
+              <p:nvPr/>
+            </p:nvSpPr>
+            <p:spPr>
+              <a:xfrm>
+                <a:off x="4297843" y="1395830"/>
+                <a:ext cx="359393" cy="307777"/>
+              </a:xfrm>
+              <a:prstGeom prst="rect">
+                <a:avLst/>
+              </a:prstGeom>
+              <a:blipFill>
+                <a:blip r:embed="rId10"/>
+                <a:stretch>
+                  <a:fillRect/>
+                </a:stretch>
+              </a:blipFill>
+            </p:spPr>
+            <p:txBody>
+              <a:bodyPr/>
+              <a:lstStyle/>
+              <a:p>
+                <a:r>
+                  <a:rPr lang="fr-FR">
+                    <a:noFill/>
+                  </a:rPr>
+                  <a:t> </a:t>
+                </a:r>
+              </a:p>
+            </p:txBody>
+          </p:sp>
+        </mc:Fallback>
+      </mc:AlternateContent>
+      <mc:AlternateContent xmlns:mc="http://schemas.openxmlformats.org/markup-compatibility/2006" xmlns:a14="http://schemas.microsoft.com/office/drawing/2010/main">
+        <mc:Choice Requires="a14">
+          <p:sp>
+            <p:nvSpPr>
+              <p:cNvPr id="63" name="Rectangle 62">
+                <a:extLst>
+                  <a:ext uri="{FF2B5EF4-FFF2-40B4-BE49-F238E27FC236}">
+                    <a16:creationId xmlns:a16="http://schemas.microsoft.com/office/drawing/2014/main" id="{992603C6-C280-4E33-8D36-32CDCAAC8A88}"/>
+                  </a:ext>
+                </a:extLst>
+              </p:cNvPr>
+              <p:cNvSpPr/>
+              <p:nvPr/>
+            </p:nvSpPr>
+            <p:spPr>
+              <a:xfrm>
+                <a:off x="4399776" y="1294986"/>
+                <a:ext cx="359393" cy="307777"/>
+              </a:xfrm>
+              <a:prstGeom prst="rect">
+                <a:avLst/>
+              </a:prstGeom>
+            </p:spPr>
+            <p:txBody>
+              <a:bodyPr wrap="none">
+                <a:spAutoFit/>
+              </a:bodyPr>
+              <a:lstStyle/>
+              <a:p>
+                <a:pPr/>
+                <a14:m>
+                  <m:oMathPara xmlns:m="http://schemas.openxmlformats.org/officeDocument/2006/math">
+                    <m:oMathParaPr>
+                      <m:jc m:val="centerGroup"/>
+                    </m:oMathParaPr>
+                    <m:oMath xmlns:m="http://schemas.openxmlformats.org/officeDocument/2006/math">
+                      <m:r>
+                        <a:rPr lang="fr-FR" sz="1400" b="1" i="0" smtClean="0">
+                          <a:latin typeface="Cambria Math" panose="02040503050406030204" pitchFamily="18" charset="0"/>
+                        </a:rPr>
+                        <m:t>+</m:t>
+                      </m:r>
+                    </m:oMath>
+                  </m:oMathPara>
+                </a14:m>
+                <a:endParaRPr lang="fr-FR" sz="1400" b="1" dirty="0"/>
+              </a:p>
+            </p:txBody>
+          </p:sp>
+        </mc:Choice>
+        <mc:Fallback xmlns="">
+          <p:sp>
+            <p:nvSpPr>
+              <p:cNvPr id="63" name="Rectangle 62">
+                <a:extLst>
+                  <a:ext uri="{FF2B5EF4-FFF2-40B4-BE49-F238E27FC236}">
+                    <a16:creationId xmlns:a16="http://schemas.microsoft.com/office/drawing/2014/main" id="{992603C6-C280-4E33-8D36-32CDCAAC8A88}"/>
+                  </a:ext>
+                </a:extLst>
+              </p:cNvPr>
+              <p:cNvSpPr>
+                <a:spLocks noRot="1" noChangeAspect="1" noMove="1" noResize="1" noEditPoints="1" noAdjustHandles="1" noChangeArrowheads="1" noChangeShapeType="1" noTextEdit="1"/>
+              </p:cNvSpPr>
+              <p:nvPr/>
+            </p:nvSpPr>
+            <p:spPr>
+              <a:xfrm>
+                <a:off x="4399776" y="1294986"/>
+                <a:ext cx="359393" cy="307777"/>
+              </a:xfrm>
+              <a:prstGeom prst="rect">
+                <a:avLst/>
+              </a:prstGeom>
+              <a:blipFill>
+                <a:blip r:embed="rId11"/>
+                <a:stretch>
+                  <a:fillRect/>
+                </a:stretch>
+              </a:blipFill>
+            </p:spPr>
+            <p:txBody>
+              <a:bodyPr/>
+              <a:lstStyle/>
+              <a:p>
+                <a:r>
+                  <a:rPr lang="fr-FR">
+                    <a:noFill/>
+                  </a:rPr>
+                  <a:t> </a:t>
+                </a:r>
+              </a:p>
+            </p:txBody>
+          </p:sp>
+        </mc:Fallback>
+      </mc:AlternateContent>
+      <mc:AlternateContent xmlns:mc="http://schemas.openxmlformats.org/markup-compatibility/2006">
+        <mc:Choice xmlns:a14="http://schemas.microsoft.com/office/drawing/2010/main" Requires="a14">
+          <p:sp>
+            <p:nvSpPr>
+              <p:cNvPr id="27" name="Rectangle 26">
+                <a:extLst>
+                  <a:ext uri="{FF2B5EF4-FFF2-40B4-BE49-F238E27FC236}">
+                    <a16:creationId xmlns:a16="http://schemas.microsoft.com/office/drawing/2014/main" id="{2EE64C78-890A-44DA-BC30-CC2AC1AE11D9}"/>
+                  </a:ext>
+                </a:extLst>
+              </p:cNvPr>
+              <p:cNvSpPr/>
+              <p:nvPr/>
+            </p:nvSpPr>
+            <p:spPr>
+              <a:xfrm>
+                <a:off x="549483" y="1904995"/>
+                <a:ext cx="713529" cy="369332"/>
+              </a:xfrm>
+              <a:prstGeom prst="rect">
+                <a:avLst/>
+              </a:prstGeom>
+            </p:spPr>
+            <p:txBody>
+              <a:bodyPr wrap="none">
+                <a:spAutoFit/>
+              </a:bodyPr>
+              <a:lstStyle/>
+              <a:p>
+                <a:pPr/>
+                <a14:m>
+                  <m:oMathPara xmlns:m="http://schemas.openxmlformats.org/officeDocument/2006/math">
+                    <m:oMathParaPr>
+                      <m:jc m:val="centerGroup"/>
+                    </m:oMathParaPr>
+                    <m:oMath xmlns:m="http://schemas.openxmlformats.org/officeDocument/2006/math">
+                      <m:r>
+                        <a:rPr lang="fr-FR" b="0" i="1" smtClean="0">
+                          <a:latin typeface="Cambria Math" panose="02040503050406030204" pitchFamily="18" charset="0"/>
+                        </a:rPr>
+                        <m:t>𝐸</m:t>
+                      </m:r>
+                      <m:d>
+                        <m:dPr>
+                          <m:ctrlPr>
+                            <a:rPr lang="fr-FR" i="1">
+                              <a:latin typeface="Cambria Math" panose="02040503050406030204" pitchFamily="18" charset="0"/>
+                            </a:rPr>
+                          </m:ctrlPr>
+                        </m:dPr>
+                        <m:e>
+                          <m:r>
+                            <a:rPr lang="fr-FR" i="1">
+                              <a:latin typeface="Cambria Math" panose="02040503050406030204" pitchFamily="18" charset="0"/>
+                            </a:rPr>
+                            <m:t>𝑝</m:t>
+                          </m:r>
+                        </m:e>
+                      </m:d>
+                    </m:oMath>
+                  </m:oMathPara>
+                </a14:m>
+                <a:endParaRPr lang="fr-FR" dirty="0"/>
+              </a:p>
+            </p:txBody>
+          </p:sp>
+        </mc:Choice>
+        <mc:Fallback>
+          <p:sp>
+            <p:nvSpPr>
+              <p:cNvPr id="27" name="Rectangle 26">
+                <a:extLst>
+                  <a:ext uri="{FF2B5EF4-FFF2-40B4-BE49-F238E27FC236}">
+                    <a16:creationId xmlns:a16="http://schemas.microsoft.com/office/drawing/2014/main" id="{2EE64C78-890A-44DA-BC30-CC2AC1AE11D9}"/>
+                  </a:ext>
+                </a:extLst>
+              </p:cNvPr>
+              <p:cNvSpPr>
+                <a:spLocks noRot="1" noChangeAspect="1" noMove="1" noResize="1" noEditPoints="1" noAdjustHandles="1" noChangeArrowheads="1" noChangeShapeType="1" noTextEdit="1"/>
+              </p:cNvSpPr>
+              <p:nvPr/>
+            </p:nvSpPr>
+            <p:spPr>
+              <a:xfrm>
+                <a:off x="549483" y="1904995"/>
+                <a:ext cx="713529" cy="369332"/>
+              </a:xfrm>
+              <a:prstGeom prst="rect">
+                <a:avLst/>
+              </a:prstGeom>
+              <a:blipFill>
+                <a:blip r:embed="rId12"/>
+                <a:stretch>
+                  <a:fillRect b="-6557"/>
+                </a:stretch>
+              </a:blipFill>
+            </p:spPr>
+            <p:txBody>
+              <a:bodyPr/>
+              <a:lstStyle/>
+              <a:p>
+                <a:r>
+                  <a:rPr lang="fr-FR">
+                    <a:noFill/>
+                  </a:rPr>
+                  <a:t> </a:t>
+                </a:r>
+              </a:p>
+            </p:txBody>
+          </p:sp>
+        </mc:Fallback>
+      </mc:AlternateContent>
+      <mc:AlternateContent xmlns:mc="http://schemas.openxmlformats.org/markup-compatibility/2006">
+        <mc:Choice xmlns:a14="http://schemas.microsoft.com/office/drawing/2010/main" Requires="a14">
+          <p:sp>
+            <p:nvSpPr>
+              <p:cNvPr id="30" name="Rectangle 29">
+                <a:extLst>
+                  <a:ext uri="{FF2B5EF4-FFF2-40B4-BE49-F238E27FC236}">
+                    <a16:creationId xmlns:a16="http://schemas.microsoft.com/office/drawing/2014/main" id="{E1C5BB99-F17D-4F23-9875-6B9B97218961}"/>
+                  </a:ext>
+                </a:extLst>
+              </p:cNvPr>
+              <p:cNvSpPr/>
+              <p:nvPr/>
+            </p:nvSpPr>
+            <p:spPr>
+              <a:xfrm>
+                <a:off x="2592659" y="1083238"/>
+                <a:ext cx="655692" cy="369332"/>
+              </a:xfrm>
+              <a:prstGeom prst="rect">
+                <a:avLst/>
+              </a:prstGeom>
+            </p:spPr>
+            <p:txBody>
+              <a:bodyPr wrap="none">
+                <a:spAutoFit/>
+              </a:bodyPr>
+              <a:lstStyle/>
+              <a:p>
+                <a:pPr/>
+                <a14:m>
+                  <m:oMathPara xmlns:m="http://schemas.openxmlformats.org/officeDocument/2006/math">
+                    <m:oMathParaPr>
+                      <m:jc m:val="centerGroup"/>
+                    </m:oMathParaPr>
+                    <m:oMath xmlns:m="http://schemas.openxmlformats.org/officeDocument/2006/math">
+                      <m:r>
+                        <a:rPr lang="fr-FR" b="0" i="1" smtClean="0">
+                          <a:latin typeface="Cambria Math" panose="02040503050406030204" pitchFamily="18" charset="0"/>
+                        </a:rPr>
+                        <m:t>𝐼</m:t>
+                      </m:r>
+                      <m:d>
+                        <m:dPr>
+                          <m:ctrlPr>
+                            <a:rPr lang="fr-FR" i="1">
+                              <a:latin typeface="Cambria Math" panose="02040503050406030204" pitchFamily="18" charset="0"/>
+                            </a:rPr>
+                          </m:ctrlPr>
+                        </m:dPr>
+                        <m:e>
+                          <m:r>
+                            <a:rPr lang="fr-FR" i="1">
+                              <a:latin typeface="Cambria Math" panose="02040503050406030204" pitchFamily="18" charset="0"/>
+                            </a:rPr>
+                            <m:t>𝑝</m:t>
+                          </m:r>
+                        </m:e>
+                      </m:d>
+                    </m:oMath>
+                  </m:oMathPara>
+                </a14:m>
+                <a:endParaRPr lang="fr-FR" dirty="0"/>
+              </a:p>
+            </p:txBody>
+          </p:sp>
+        </mc:Choice>
+        <mc:Fallback>
+          <p:sp>
+            <p:nvSpPr>
+              <p:cNvPr id="30" name="Rectangle 29">
+                <a:extLst>
+                  <a:ext uri="{FF2B5EF4-FFF2-40B4-BE49-F238E27FC236}">
+                    <a16:creationId xmlns:a16="http://schemas.microsoft.com/office/drawing/2014/main" id="{E1C5BB99-F17D-4F23-9875-6B9B97218961}"/>
+                  </a:ext>
+                </a:extLst>
+              </p:cNvPr>
+              <p:cNvSpPr>
+                <a:spLocks noRot="1" noChangeAspect="1" noMove="1" noResize="1" noEditPoints="1" noAdjustHandles="1" noChangeArrowheads="1" noChangeShapeType="1" noTextEdit="1"/>
+              </p:cNvSpPr>
+              <p:nvPr/>
+            </p:nvSpPr>
+            <p:spPr>
+              <a:xfrm>
+                <a:off x="2592659" y="1083238"/>
+                <a:ext cx="655692" cy="369332"/>
+              </a:xfrm>
+              <a:prstGeom prst="rect">
+                <a:avLst/>
+              </a:prstGeom>
+              <a:blipFill>
+                <a:blip r:embed="rId13"/>
+                <a:stretch>
+                  <a:fillRect b="-6667"/>
+                </a:stretch>
+              </a:blipFill>
+            </p:spPr>
+            <p:txBody>
+              <a:bodyPr/>
+              <a:lstStyle/>
+              <a:p>
+                <a:r>
+                  <a:rPr lang="fr-FR">
+                    <a:noFill/>
+                  </a:rPr>
+                  <a:t> </a:t>
+                </a:r>
+              </a:p>
+            </p:txBody>
+          </p:sp>
+        </mc:Fallback>
+      </mc:AlternateContent>
+      <mc:AlternateContent xmlns:mc="http://schemas.openxmlformats.org/markup-compatibility/2006">
+        <mc:Choice xmlns:a14="http://schemas.microsoft.com/office/drawing/2010/main" Requires="a14">
+          <p:sp>
+            <p:nvSpPr>
+              <p:cNvPr id="32" name="Rectangle 31">
+                <a:extLst>
+                  <a:ext uri="{FF2B5EF4-FFF2-40B4-BE49-F238E27FC236}">
+                    <a16:creationId xmlns:a16="http://schemas.microsoft.com/office/drawing/2014/main" id="{8F443F10-588F-495C-9F19-BBDF2420E64A}"/>
+                  </a:ext>
+                </a:extLst>
+              </p:cNvPr>
+              <p:cNvSpPr/>
+              <p:nvPr/>
+            </p:nvSpPr>
+            <p:spPr>
+              <a:xfrm>
+                <a:off x="5011824" y="1180511"/>
+                <a:ext cx="1008112" cy="724480"/>
+              </a:xfrm>
+              <a:prstGeom prst="rect">
+                <a:avLst/>
+              </a:prstGeom>
+              <a:noFill/>
+              <a:ln w="19050">
+                <a:solidFill>
+                  <a:schemeClr val="accent5">
+                    <a:lumMod val="50000"/>
+                  </a:schemeClr>
+                </a:solidFill>
+              </a:ln>
+            </p:spPr>
+            <p:style>
+              <a:lnRef idx="2">
+                <a:schemeClr val="accent1">
+                  <a:shade val="50000"/>
+                </a:schemeClr>
+              </a:lnRef>
+              <a:fillRef idx="1">
+                <a:schemeClr val="accent1"/>
+              </a:fillRef>
+              <a:effectRef idx="0">
+                <a:schemeClr val="accent1"/>
+              </a:effectRef>
+              <a:fontRef idx="minor">
+                <a:schemeClr val="lt1"/>
+              </a:fontRef>
+            </p:style>
+            <p:txBody>
+              <a:bodyPr rtlCol="0" anchor="ctr"/>
+              <a:lstStyle/>
+              <a:p>
+                <a:pPr algn="ctr"/>
+                <a14:m>
+                  <m:oMathPara xmlns:m="http://schemas.openxmlformats.org/officeDocument/2006/math">
+                    <m:oMathParaPr>
+                      <m:jc m:val="centerGroup"/>
+                    </m:oMathParaPr>
+                    <m:oMath xmlns:m="http://schemas.openxmlformats.org/officeDocument/2006/math">
+                      <m:f>
+                        <m:fPr>
+                          <m:ctrlPr>
+                            <a:rPr lang="fr-FR" b="0" i="1" smtClean="0">
+                              <a:solidFill>
+                                <a:schemeClr val="tx1"/>
+                              </a:solidFill>
+                              <a:latin typeface="Cambria Math" panose="02040503050406030204" pitchFamily="18" charset="0"/>
+                            </a:rPr>
+                          </m:ctrlPr>
+                        </m:fPr>
+                        <m:num>
+                          <m:r>
+                            <a:rPr lang="fr-FR" b="0" i="1" smtClean="0">
+                              <a:solidFill>
+                                <a:schemeClr val="tx1"/>
+                              </a:solidFill>
+                              <a:latin typeface="Cambria Math" panose="02040503050406030204" pitchFamily="18" charset="0"/>
+                            </a:rPr>
+                            <m:t>1</m:t>
+                          </m:r>
+                        </m:num>
+                        <m:den>
+                          <m:r>
+                            <a:rPr lang="fr-FR" b="0" i="1" smtClean="0">
+                              <a:solidFill>
+                                <a:schemeClr val="tx1"/>
+                              </a:solidFill>
+                              <a:latin typeface="Cambria Math" panose="02040503050406030204" pitchFamily="18" charset="0"/>
+                            </a:rPr>
+                            <m:t>𝑓</m:t>
+                          </m:r>
+                          <m:r>
+                            <a:rPr lang="fr-FR" b="0" i="1" smtClean="0">
+                              <a:solidFill>
+                                <a:schemeClr val="tx1"/>
+                              </a:solidFill>
+                              <a:latin typeface="Cambria Math" panose="02040503050406030204" pitchFamily="18" charset="0"/>
+                            </a:rPr>
+                            <m:t>+</m:t>
+                          </m:r>
+                          <m:r>
+                            <a:rPr lang="fr-FR" b="0" i="1" smtClean="0">
+                              <a:solidFill>
+                                <a:schemeClr val="tx1"/>
+                              </a:solidFill>
+                              <a:latin typeface="Cambria Math" panose="02040503050406030204" pitchFamily="18" charset="0"/>
+                            </a:rPr>
+                            <m:t>𝐽𝑝</m:t>
+                          </m:r>
+                        </m:den>
+                      </m:f>
+                    </m:oMath>
+                  </m:oMathPara>
+                </a14:m>
+                <a:endParaRPr lang="fr-FR" b="0" dirty="0">
+                  <a:solidFill>
+                    <a:schemeClr val="tx1"/>
+                  </a:solidFill>
+                </a:endParaRPr>
+              </a:p>
+            </p:txBody>
+          </p:sp>
+        </mc:Choice>
+        <mc:Fallback>
+          <p:sp>
+            <p:nvSpPr>
+              <p:cNvPr id="32" name="Rectangle 31">
+                <a:extLst>
+                  <a:ext uri="{FF2B5EF4-FFF2-40B4-BE49-F238E27FC236}">
+                    <a16:creationId xmlns:a16="http://schemas.microsoft.com/office/drawing/2014/main" id="{8F443F10-588F-495C-9F19-BBDF2420E64A}"/>
+                  </a:ext>
+                </a:extLst>
+              </p:cNvPr>
+              <p:cNvSpPr>
+                <a:spLocks noRot="1" noChangeAspect="1" noMove="1" noResize="1" noEditPoints="1" noAdjustHandles="1" noChangeArrowheads="1" noChangeShapeType="1" noTextEdit="1"/>
+              </p:cNvSpPr>
+              <p:nvPr/>
+            </p:nvSpPr>
+            <p:spPr>
+              <a:xfrm>
+                <a:off x="5011824" y="1180511"/>
+                <a:ext cx="1008112" cy="724480"/>
+              </a:xfrm>
+              <a:prstGeom prst="rect">
+                <a:avLst/>
+              </a:prstGeom>
+              <a:blipFill>
+                <a:blip r:embed="rId14"/>
+                <a:stretch>
+                  <a:fillRect/>
+                </a:stretch>
+              </a:blipFill>
+              <a:ln w="19050">
+                <a:solidFill>
+                  <a:schemeClr val="accent5">
+                    <a:lumMod val="50000"/>
+                  </a:schemeClr>
+                </a:solidFill>
+              </a:ln>
+            </p:spPr>
+            <p:txBody>
+              <a:bodyPr/>
+              <a:lstStyle/>
+              <a:p>
+                <a:r>
+                  <a:rPr lang="fr-FR">
+                    <a:noFill/>
+                  </a:rPr>
+                  <a:t> </a:t>
+                </a:r>
+              </a:p>
+            </p:txBody>
+          </p:sp>
+        </mc:Fallback>
+      </mc:AlternateContent>
+      <mc:AlternateContent xmlns:mc="http://schemas.openxmlformats.org/markup-compatibility/2006">
+        <mc:Choice xmlns:a14="http://schemas.microsoft.com/office/drawing/2010/main" Requires="a14">
+          <p:sp>
+            <p:nvSpPr>
+              <p:cNvPr id="33" name="Rectangle 32">
+                <a:extLst>
+                  <a:ext uri="{FF2B5EF4-FFF2-40B4-BE49-F238E27FC236}">
+                    <a16:creationId xmlns:a16="http://schemas.microsoft.com/office/drawing/2014/main" id="{5DB9304B-1FC1-48E3-90CA-B4881708648A}"/>
+                  </a:ext>
+                </a:extLst>
+              </p:cNvPr>
+              <p:cNvSpPr/>
+              <p:nvPr/>
+            </p:nvSpPr>
+            <p:spPr>
+              <a:xfrm>
+                <a:off x="3488557" y="400018"/>
+                <a:ext cx="789190" cy="369332"/>
+              </a:xfrm>
+              <a:prstGeom prst="rect">
+                <a:avLst/>
+              </a:prstGeom>
+            </p:spPr>
+            <p:txBody>
+              <a:bodyPr wrap="none">
+                <a:spAutoFit/>
+              </a:bodyPr>
+              <a:lstStyle/>
+              <a:p>
+                <a:pPr/>
+                <a14:m>
+                  <m:oMathPara xmlns:m="http://schemas.openxmlformats.org/officeDocument/2006/math">
+                    <m:oMathParaPr>
+                      <m:jc m:val="centerGroup"/>
+                    </m:oMathParaPr>
+                    <m:oMath xmlns:m="http://schemas.openxmlformats.org/officeDocument/2006/math">
+                      <m:sSub>
+                        <m:sSubPr>
+                          <m:ctrlPr>
+                            <a:rPr lang="fr-FR" b="0" i="1" smtClean="0">
+                              <a:latin typeface="Cambria Math" panose="02040503050406030204" pitchFamily="18" charset="0"/>
+                            </a:rPr>
+                          </m:ctrlPr>
+                        </m:sSubPr>
+                        <m:e>
+                          <m:r>
+                            <a:rPr lang="fr-FR" b="0" i="1" smtClean="0">
+                              <a:latin typeface="Cambria Math" panose="02040503050406030204" pitchFamily="18" charset="0"/>
+                            </a:rPr>
+                            <m:t>𝐶</m:t>
+                          </m:r>
+                        </m:e>
+                        <m:sub>
+                          <m:r>
+                            <a:rPr lang="fr-FR" b="0" i="1" smtClean="0">
+                              <a:latin typeface="Cambria Math" panose="02040503050406030204" pitchFamily="18" charset="0"/>
+                            </a:rPr>
+                            <m:t>𝑟</m:t>
+                          </m:r>
+                        </m:sub>
+                      </m:sSub>
+                      <m:d>
+                        <m:dPr>
+                          <m:ctrlPr>
+                            <a:rPr lang="fr-FR" i="1">
+                              <a:latin typeface="Cambria Math" panose="02040503050406030204" pitchFamily="18" charset="0"/>
+                            </a:rPr>
+                          </m:ctrlPr>
+                        </m:dPr>
+                        <m:e>
+                          <m:r>
+                            <a:rPr lang="fr-FR" i="1">
+                              <a:latin typeface="Cambria Math" panose="02040503050406030204" pitchFamily="18" charset="0"/>
+                            </a:rPr>
+                            <m:t>𝑝</m:t>
+                          </m:r>
+                        </m:e>
+                      </m:d>
+                    </m:oMath>
+                  </m:oMathPara>
+                </a14:m>
+                <a:endParaRPr lang="fr-FR" dirty="0"/>
+              </a:p>
+            </p:txBody>
+          </p:sp>
+        </mc:Choice>
+        <mc:Fallback>
+          <p:sp>
+            <p:nvSpPr>
+              <p:cNvPr id="33" name="Rectangle 32">
+                <a:extLst>
+                  <a:ext uri="{FF2B5EF4-FFF2-40B4-BE49-F238E27FC236}">
+                    <a16:creationId xmlns:a16="http://schemas.microsoft.com/office/drawing/2014/main" id="{5DB9304B-1FC1-48E3-90CA-B4881708648A}"/>
+                  </a:ext>
+                </a:extLst>
+              </p:cNvPr>
+              <p:cNvSpPr>
+                <a:spLocks noRot="1" noChangeAspect="1" noMove="1" noResize="1" noEditPoints="1" noAdjustHandles="1" noChangeArrowheads="1" noChangeShapeType="1" noTextEdit="1"/>
+              </p:cNvSpPr>
+              <p:nvPr/>
+            </p:nvSpPr>
+            <p:spPr>
+              <a:xfrm>
+                <a:off x="3488557" y="400018"/>
+                <a:ext cx="789190" cy="369332"/>
+              </a:xfrm>
+              <a:prstGeom prst="rect">
+                <a:avLst/>
+              </a:prstGeom>
+              <a:blipFill>
+                <a:blip r:embed="rId15"/>
+                <a:stretch>
+                  <a:fillRect b="-6667"/>
+                </a:stretch>
+              </a:blipFill>
+            </p:spPr>
+            <p:txBody>
+              <a:bodyPr/>
+              <a:lstStyle/>
+              <a:p>
+                <a:r>
+                  <a:rPr lang="fr-FR">
+                    <a:noFill/>
+                  </a:rPr>
+                  <a:t> </a:t>
+                </a:r>
+              </a:p>
+            </p:txBody>
+          </p:sp>
+        </mc:Fallback>
+      </mc:AlternateContent>
+      <p:cxnSp>
+        <p:nvCxnSpPr>
+          <p:cNvPr id="35" name="Connecteur droit avec flèche 34">
+            <a:extLst>
+              <a:ext uri="{FF2B5EF4-FFF2-40B4-BE49-F238E27FC236}">
+                <a16:creationId xmlns:a16="http://schemas.microsoft.com/office/drawing/2014/main" id="{9DA9ED59-42E8-4B6E-9B10-1B78399A4E4A}"/>
+              </a:ext>
+            </a:extLst>
+          </p:cNvPr>
+          <p:cNvCxnSpPr>
+            <a:cxnSpLocks/>
+          </p:cNvCxnSpPr>
+          <p:nvPr/>
+        </p:nvCxnSpPr>
+        <p:spPr>
+          <a:xfrm>
+            <a:off x="6019936" y="1569264"/>
+            <a:ext cx="756104" cy="0"/>
+          </a:xfrm>
+          <a:prstGeom prst="straightConnector1">
+            <a:avLst/>
+          </a:prstGeom>
+          <a:noFill/>
+          <a:ln w="19050">
+            <a:solidFill>
+              <a:schemeClr val="accent5">
+                <a:lumMod val="50000"/>
+              </a:schemeClr>
+            </a:solidFill>
+            <a:tailEnd type="stealth" w="med" len="lg"/>
+          </a:ln>
+        </p:spPr>
+        <p:style>
+          <a:lnRef idx="2">
+            <a:schemeClr val="accent1">
+              <a:shade val="50000"/>
+            </a:schemeClr>
+          </a:lnRef>
+          <a:fillRef idx="1">
+            <a:schemeClr val="accent1"/>
+          </a:fillRef>
+          <a:effectRef idx="0">
+            <a:schemeClr val="accent1"/>
+          </a:effectRef>
+          <a:fontRef idx="minor">
+            <a:schemeClr val="lt1"/>
+          </a:fontRef>
+        </p:style>
+      </p:cxnSp>
+      <mc:AlternateContent xmlns:mc="http://schemas.openxmlformats.org/markup-compatibility/2006">
+        <mc:Choice xmlns:a14="http://schemas.microsoft.com/office/drawing/2010/main" Requires="a14">
+          <p:sp>
+            <p:nvSpPr>
+              <p:cNvPr id="37" name="Rectangle 36">
+                <a:extLst>
+                  <a:ext uri="{FF2B5EF4-FFF2-40B4-BE49-F238E27FC236}">
+                    <a16:creationId xmlns:a16="http://schemas.microsoft.com/office/drawing/2014/main" id="{D8FFD7E3-F365-4796-AB4B-F4990DB697FC}"/>
+                  </a:ext>
+                </a:extLst>
+              </p:cNvPr>
+              <p:cNvSpPr/>
+              <p:nvPr/>
+            </p:nvSpPr>
+            <p:spPr>
+              <a:xfrm>
+                <a:off x="6279760" y="1132570"/>
+                <a:ext cx="717312" cy="369332"/>
+              </a:xfrm>
+              <a:prstGeom prst="rect">
+                <a:avLst/>
+              </a:prstGeom>
+            </p:spPr>
+            <p:txBody>
+              <a:bodyPr wrap="none">
+                <a:spAutoFit/>
+              </a:bodyPr>
+              <a:lstStyle/>
+              <a:p>
+                <a:pPr/>
+                <a14:m>
+                  <m:oMathPara xmlns:m="http://schemas.openxmlformats.org/officeDocument/2006/math">
+                    <m:oMathParaPr>
+                      <m:jc m:val="centerGroup"/>
+                    </m:oMathParaPr>
+                    <m:oMath xmlns:m="http://schemas.openxmlformats.org/officeDocument/2006/math">
+                      <m:r>
+                        <m:rPr>
+                          <m:sty m:val="p"/>
+                        </m:rPr>
+                        <a:rPr lang="fr-FR" b="0" i="0" smtClean="0">
+                          <a:latin typeface="Cambria Math" panose="02040503050406030204" pitchFamily="18" charset="0"/>
+                        </a:rPr>
+                        <m:t>Ω</m:t>
+                      </m:r>
+                      <m:d>
+                        <m:dPr>
+                          <m:ctrlPr>
+                            <a:rPr lang="fr-FR" i="1">
+                              <a:latin typeface="Cambria Math" panose="02040503050406030204" pitchFamily="18" charset="0"/>
+                            </a:rPr>
+                          </m:ctrlPr>
+                        </m:dPr>
+                        <m:e>
+                          <m:r>
+                            <a:rPr lang="fr-FR" i="1">
+                              <a:latin typeface="Cambria Math" panose="02040503050406030204" pitchFamily="18" charset="0"/>
+                            </a:rPr>
+                            <m:t>𝑝</m:t>
+                          </m:r>
+                        </m:e>
+                      </m:d>
+                    </m:oMath>
+                  </m:oMathPara>
+                </a14:m>
+                <a:endParaRPr lang="fr-FR" dirty="0"/>
+              </a:p>
+            </p:txBody>
+          </p:sp>
+        </mc:Choice>
+        <mc:Fallback>
+          <p:sp>
+            <p:nvSpPr>
+              <p:cNvPr id="37" name="Rectangle 36">
+                <a:extLst>
+                  <a:ext uri="{FF2B5EF4-FFF2-40B4-BE49-F238E27FC236}">
+                    <a16:creationId xmlns:a16="http://schemas.microsoft.com/office/drawing/2014/main" id="{D8FFD7E3-F365-4796-AB4B-F4990DB697FC}"/>
+                  </a:ext>
+                </a:extLst>
+              </p:cNvPr>
+              <p:cNvSpPr>
+                <a:spLocks noRot="1" noChangeAspect="1" noMove="1" noResize="1" noEditPoints="1" noAdjustHandles="1" noChangeArrowheads="1" noChangeShapeType="1" noTextEdit="1"/>
+              </p:cNvSpPr>
+              <p:nvPr/>
+            </p:nvSpPr>
+            <p:spPr>
+              <a:xfrm>
+                <a:off x="6279760" y="1132570"/>
+                <a:ext cx="717312" cy="369332"/>
+              </a:xfrm>
+              <a:prstGeom prst="rect">
+                <a:avLst/>
+              </a:prstGeom>
+              <a:blipFill>
+                <a:blip r:embed="rId16"/>
+                <a:stretch>
+                  <a:fillRect b="-6667"/>
+                </a:stretch>
+              </a:blipFill>
+            </p:spPr>
+            <p:txBody>
+              <a:bodyPr/>
+              <a:lstStyle/>
+              <a:p>
+                <a:r>
+                  <a:rPr lang="fr-FR">
+                    <a:noFill/>
+                  </a:rPr>
+                  <a:t> </a:t>
+                </a:r>
+              </a:p>
+            </p:txBody>
+          </p:sp>
+        </mc:Fallback>
+      </mc:AlternateContent>
+    </p:spTree>
+    <p:extLst>
+      <p:ext uri="{BB962C8B-B14F-4D97-AF65-F5344CB8AC3E}">
+        <p14:creationId xmlns:p14="http://schemas.microsoft.com/office/powerpoint/2010/main" val="2034094253"/>
+      </p:ext>
+    </p:extLst>
+  </p:cSld>
+  <p:clrMapOvr>
+    <a:masterClrMapping/>
+  </p:clrMapOvr>
+</p:sld>
+</file>
+
+<file path=ppt/slides/slide2.xml><?xml version="1.0" encoding="utf-8"?>
+<p:sld xmlns:a="http://schemas.openxmlformats.org/drawingml/2006/main" xmlns:r="http://schemas.openxmlformats.org/officeDocument/2006/relationships" xmlns:p="http://schemas.openxmlformats.org/presentationml/2006/main">
+  <p:cSld>
+    <p:spTree>
+      <p:nvGrpSpPr>
+        <p:cNvPr id="1" name=""/>
+        <p:cNvGrpSpPr/>
+        <p:nvPr/>
+      </p:nvGrpSpPr>
+      <p:grpSpPr>
+        <a:xfrm>
+          <a:off x="0" y="0"/>
+          <a:ext cx="0" cy="0"/>
+          <a:chOff x="0" y="0"/>
+          <a:chExt cx="0" cy="0"/>
+        </a:xfrm>
+      </p:grpSpPr>
+      <mc:AlternateContent xmlns:mc="http://schemas.openxmlformats.org/markup-compatibility/2006" xmlns:a14="http://schemas.microsoft.com/office/drawing/2010/main">
+        <mc:Choice Requires="a14">
+          <p:sp>
+            <p:nvSpPr>
+              <p:cNvPr id="4" name="Rectangle 3">
+                <a:extLst>
+                  <a:ext uri="{FF2B5EF4-FFF2-40B4-BE49-F238E27FC236}">
+                    <a16:creationId xmlns:a16="http://schemas.microsoft.com/office/drawing/2014/main" id="{57373CAC-AD28-4C58-AA50-650B763A079A}"/>
+                  </a:ext>
+                </a:extLst>
+              </p:cNvPr>
+              <p:cNvSpPr/>
+              <p:nvPr/>
+            </p:nvSpPr>
+            <p:spPr>
+              <a:xfrm>
                 <a:off x="1691680" y="1340768"/>
                 <a:ext cx="1008112" cy="432048"/>
               </a:xfrm>
@@ -3186,7 +5511,7 @@
             </p:txBody>
           </p:sp>
         </mc:Choice>
-        <mc:Fallback>
+        <mc:Fallback xmlns="">
           <p:sp>
             <p:nvSpPr>
               <p:cNvPr id="4" name="Rectangle 3">
@@ -3238,8 +5563,8 @@
           </p:sp>
         </mc:Fallback>
       </mc:AlternateContent>
-      <mc:AlternateContent xmlns:mc="http://schemas.openxmlformats.org/markup-compatibility/2006">
-        <mc:Choice xmlns:a14="http://schemas.microsoft.com/office/drawing/2010/main" Requires="a14">
+      <mc:AlternateContent xmlns:mc="http://schemas.openxmlformats.org/markup-compatibility/2006" xmlns:a14="http://schemas.microsoft.com/office/drawing/2010/main">
+        <mc:Choice Requires="a14">
           <p:sp>
             <p:nvSpPr>
               <p:cNvPr id="5" name="Rectangle 4">
@@ -3365,7 +5690,7 @@
             </p:txBody>
           </p:sp>
         </mc:Choice>
-        <mc:Fallback>
+        <mc:Fallback xmlns="">
           <p:sp>
             <p:nvSpPr>
               <p:cNvPr id="5" name="Rectangle 4">
@@ -3417,8 +5742,8 @@
           </p:sp>
         </mc:Fallback>
       </mc:AlternateContent>
-      <mc:AlternateContent xmlns:mc="http://schemas.openxmlformats.org/markup-compatibility/2006">
-        <mc:Choice xmlns:a14="http://schemas.microsoft.com/office/drawing/2010/main" Requires="a14">
+      <mc:AlternateContent xmlns:mc="http://schemas.openxmlformats.org/markup-compatibility/2006" xmlns:a14="http://schemas.microsoft.com/office/drawing/2010/main">
+        <mc:Choice Requires="a14">
           <p:sp>
             <p:nvSpPr>
               <p:cNvPr id="6" name="Rectangle 5">
@@ -3544,7 +5869,7 @@
             </p:txBody>
           </p:sp>
         </mc:Choice>
-        <mc:Fallback>
+        <mc:Fallback xmlns="">
           <p:sp>
             <p:nvSpPr>
               <p:cNvPr id="6" name="Rectangle 5">
@@ -3596,8 +5921,8 @@
           </p:sp>
         </mc:Fallback>
       </mc:AlternateContent>
-      <mc:AlternateContent xmlns:mc="http://schemas.openxmlformats.org/markup-compatibility/2006">
-        <mc:Choice xmlns:a14="http://schemas.microsoft.com/office/drawing/2010/main" Requires="a14">
+      <mc:AlternateContent xmlns:mc="http://schemas.openxmlformats.org/markup-compatibility/2006" xmlns:a14="http://schemas.microsoft.com/office/drawing/2010/main">
+        <mc:Choice Requires="a14">
           <p:sp>
             <p:nvSpPr>
               <p:cNvPr id="7" name="Rectangle 6">
@@ -3723,7 +6048,7 @@
             </p:txBody>
           </p:sp>
         </mc:Choice>
-        <mc:Fallback>
+        <mc:Fallback xmlns="">
           <p:sp>
             <p:nvSpPr>
               <p:cNvPr id="7" name="Rectangle 6">
@@ -4551,8 +6876,8 @@
           </a:fontRef>
         </p:style>
       </p:cxnSp>
-      <mc:AlternateContent xmlns:mc="http://schemas.openxmlformats.org/markup-compatibility/2006">
-        <mc:Choice xmlns:a14="http://schemas.microsoft.com/office/drawing/2010/main" Requires="a14">
+      <mc:AlternateContent xmlns:mc="http://schemas.openxmlformats.org/markup-compatibility/2006" xmlns:a14="http://schemas.microsoft.com/office/drawing/2010/main">
+        <mc:Choice Requires="a14">
           <p:sp>
             <p:nvSpPr>
               <p:cNvPr id="50" name="Rectangle 49">
@@ -4580,6 +6905,7 @@
               </a:bodyPr>
               <a:lstStyle/>
               <a:p>
+                <a:pPr/>
                 <a14:m>
                   <m:oMathPara xmlns:m="http://schemas.openxmlformats.org/officeDocument/2006/math">
                     <m:oMathParaPr>
@@ -4617,7 +6943,7 @@
             </p:txBody>
           </p:sp>
         </mc:Choice>
-        <mc:Fallback>
+        <mc:Fallback xmlns="">
           <p:sp>
             <p:nvSpPr>
               <p:cNvPr id="50" name="Rectangle 49">
@@ -4662,8 +6988,8 @@
           </p:sp>
         </mc:Fallback>
       </mc:AlternateContent>
-      <mc:AlternateContent xmlns:mc="http://schemas.openxmlformats.org/markup-compatibility/2006">
-        <mc:Choice xmlns:a14="http://schemas.microsoft.com/office/drawing/2010/main" Requires="a14">
+      <mc:AlternateContent xmlns:mc="http://schemas.openxmlformats.org/markup-compatibility/2006" xmlns:a14="http://schemas.microsoft.com/office/drawing/2010/main">
+        <mc:Choice Requires="a14">
           <p:sp>
             <p:nvSpPr>
               <p:cNvPr id="51" name="Rectangle 50">
@@ -4691,6 +7017,7 @@
               </a:bodyPr>
               <a:lstStyle/>
               <a:p>
+                <a:pPr/>
                 <a14:m>
                   <m:oMathPara xmlns:m="http://schemas.openxmlformats.org/officeDocument/2006/math">
                     <m:oMathParaPr>
@@ -4728,7 +7055,7 @@
             </p:txBody>
           </p:sp>
         </mc:Choice>
-        <mc:Fallback>
+        <mc:Fallback xmlns="">
           <p:sp>
             <p:nvSpPr>
               <p:cNvPr id="51" name="Rectangle 50">
@@ -4773,8 +7100,8 @@
           </p:sp>
         </mc:Fallback>
       </mc:AlternateContent>
-      <mc:AlternateContent xmlns:mc="http://schemas.openxmlformats.org/markup-compatibility/2006">
-        <mc:Choice xmlns:a14="http://schemas.microsoft.com/office/drawing/2010/main" Requires="a14">
+      <mc:AlternateContent xmlns:mc="http://schemas.openxmlformats.org/markup-compatibility/2006" xmlns:a14="http://schemas.microsoft.com/office/drawing/2010/main">
+        <mc:Choice Requires="a14">
           <p:sp>
             <p:nvSpPr>
               <p:cNvPr id="52" name="Rectangle 51">
@@ -4823,7 +7150,7 @@
             </p:txBody>
           </p:sp>
         </mc:Choice>
-        <mc:Fallback>
+        <mc:Fallback xmlns="">
           <p:sp>
             <p:nvSpPr>
               <p:cNvPr id="52" name="Rectangle 51">
@@ -4868,8 +7195,8 @@
           </p:sp>
         </mc:Fallback>
       </mc:AlternateContent>
-      <mc:AlternateContent xmlns:mc="http://schemas.openxmlformats.org/markup-compatibility/2006">
-        <mc:Choice xmlns:a14="http://schemas.microsoft.com/office/drawing/2010/main" Requires="a14">
+      <mc:AlternateContent xmlns:mc="http://schemas.openxmlformats.org/markup-compatibility/2006" xmlns:a14="http://schemas.microsoft.com/office/drawing/2010/main">
+        <mc:Choice Requires="a14">
           <p:sp>
             <p:nvSpPr>
               <p:cNvPr id="53" name="Rectangle 52">
@@ -4918,7 +7245,7 @@
             </p:txBody>
           </p:sp>
         </mc:Choice>
-        <mc:Fallback>
+        <mc:Fallback xmlns="">
           <p:sp>
             <p:nvSpPr>
               <p:cNvPr id="53" name="Rectangle 52">
@@ -4963,8 +7290,8 @@
           </p:sp>
         </mc:Fallback>
       </mc:AlternateContent>
-      <mc:AlternateContent xmlns:mc="http://schemas.openxmlformats.org/markup-compatibility/2006">
-        <mc:Choice xmlns:a14="http://schemas.microsoft.com/office/drawing/2010/main" Requires="a14">
+      <mc:AlternateContent xmlns:mc="http://schemas.openxmlformats.org/markup-compatibility/2006" xmlns:a14="http://schemas.microsoft.com/office/drawing/2010/main">
+        <mc:Choice Requires="a14">
           <p:sp>
             <p:nvSpPr>
               <p:cNvPr id="61" name="Rectangle 60">
@@ -5013,7 +7340,7 @@
             </p:txBody>
           </p:sp>
         </mc:Choice>
-        <mc:Fallback>
+        <mc:Fallback xmlns="">
           <p:sp>
             <p:nvSpPr>
               <p:cNvPr id="61" name="Rectangle 60">
@@ -5058,8 +7385,8 @@
           </p:sp>
         </mc:Fallback>
       </mc:AlternateContent>
-      <mc:AlternateContent xmlns:mc="http://schemas.openxmlformats.org/markup-compatibility/2006">
-        <mc:Choice xmlns:a14="http://schemas.microsoft.com/office/drawing/2010/main" Requires="a14">
+      <mc:AlternateContent xmlns:mc="http://schemas.openxmlformats.org/markup-compatibility/2006" xmlns:a14="http://schemas.microsoft.com/office/drawing/2010/main">
+        <mc:Choice Requires="a14">
           <p:sp>
             <p:nvSpPr>
               <p:cNvPr id="63" name="Rectangle 62">
@@ -5108,7 +7435,7 @@
             </p:txBody>
           </p:sp>
         </mc:Choice>
-        <mc:Fallback>
+        <mc:Fallback xmlns="">
           <p:sp>
             <p:nvSpPr>
               <p:cNvPr id="63" name="Rectangle 62">
@@ -5156,7 +7483,7 @@
     </p:spTree>
     <p:extLst>
       <p:ext uri="{BB962C8B-B14F-4D97-AF65-F5344CB8AC3E}">
-        <p14:creationId xmlns:p14="http://schemas.microsoft.com/office/powerpoint/2010/main" val="2034094253"/>
+        <p14:creationId xmlns:p14="http://schemas.microsoft.com/office/powerpoint/2010/main" val="3357841664"/>
       </p:ext>
     </p:extLst>
   </p:cSld>
@@ -5166,7 +7493,7 @@
 </p:sld>
 </file>
 
-<file path=ppt/slides/slide2.xml><?xml version="1.0" encoding="utf-8"?>
+<file path=ppt/slides/slide3.xml><?xml version="1.0" encoding="utf-8"?>
 <p:sld xmlns:a="http://schemas.openxmlformats.org/drawingml/2006/main" xmlns:r="http://schemas.openxmlformats.org/officeDocument/2006/relationships" xmlns:p="http://schemas.openxmlformats.org/presentationml/2006/main">
   <p:cSld>
     <p:spTree>
@@ -5183,8 +7510,8 @@
           <a:chExt cx="0" cy="0"/>
         </a:xfrm>
       </p:grpSpPr>
-      <mc:AlternateContent xmlns:mc="http://schemas.openxmlformats.org/markup-compatibility/2006">
-        <mc:Choice xmlns:a14="http://schemas.microsoft.com/office/drawing/2010/main" Requires="a14">
+      <mc:AlternateContent xmlns:mc="http://schemas.openxmlformats.org/markup-compatibility/2006" xmlns:a14="http://schemas.microsoft.com/office/drawing/2010/main">
+        <mc:Choice Requires="a14">
           <p:sp>
             <p:nvSpPr>
               <p:cNvPr id="4" name="Rectangle 3">
@@ -5285,7 +7612,7 @@
             </p:txBody>
           </p:sp>
         </mc:Choice>
-        <mc:Fallback>
+        <mc:Fallback xmlns="">
           <p:sp>
             <p:nvSpPr>
               <p:cNvPr id="4" name="Rectangle 3">
@@ -5337,8 +7664,8 @@
           </p:sp>
         </mc:Fallback>
       </mc:AlternateContent>
-      <mc:AlternateContent xmlns:mc="http://schemas.openxmlformats.org/markup-compatibility/2006">
-        <mc:Choice xmlns:a14="http://schemas.microsoft.com/office/drawing/2010/main" Requires="a14">
+      <mc:AlternateContent xmlns:mc="http://schemas.openxmlformats.org/markup-compatibility/2006" xmlns:a14="http://schemas.microsoft.com/office/drawing/2010/main">
+        <mc:Choice Requires="a14">
           <p:sp>
             <p:nvSpPr>
               <p:cNvPr id="6" name="Rectangle 5">
@@ -5439,7 +7766,7 @@
             </p:txBody>
           </p:sp>
         </mc:Choice>
-        <mc:Fallback>
+        <mc:Fallback xmlns="">
           <p:sp>
             <p:nvSpPr>
               <p:cNvPr id="6" name="Rectangle 5">
@@ -5491,8 +7818,8 @@
           </p:sp>
         </mc:Fallback>
       </mc:AlternateContent>
-      <mc:AlternateContent xmlns:mc="http://schemas.openxmlformats.org/markup-compatibility/2006">
-        <mc:Choice xmlns:a14="http://schemas.microsoft.com/office/drawing/2010/main" Requires="a14">
+      <mc:AlternateContent xmlns:mc="http://schemas.openxmlformats.org/markup-compatibility/2006" xmlns:a14="http://schemas.microsoft.com/office/drawing/2010/main">
+        <mc:Choice Requires="a14">
           <p:sp>
             <p:nvSpPr>
               <p:cNvPr id="7" name="Rectangle 6">
@@ -5593,7 +7920,7 @@
             </p:txBody>
           </p:sp>
         </mc:Choice>
-        <mc:Fallback>
+        <mc:Fallback xmlns="">
           <p:sp>
             <p:nvSpPr>
               <p:cNvPr id="7" name="Rectangle 6">
@@ -6093,8 +8420,8 @@
           </a:fontRef>
         </p:style>
       </p:cxnSp>
-      <mc:AlternateContent xmlns:mc="http://schemas.openxmlformats.org/markup-compatibility/2006">
-        <mc:Choice xmlns:a14="http://schemas.microsoft.com/office/drawing/2010/main" Requires="a14">
+      <mc:AlternateContent xmlns:mc="http://schemas.openxmlformats.org/markup-compatibility/2006" xmlns:a14="http://schemas.microsoft.com/office/drawing/2010/main">
+        <mc:Choice Requires="a14">
           <p:sp>
             <p:nvSpPr>
               <p:cNvPr id="50" name="Rectangle 49">
@@ -6122,6 +8449,7 @@
               </a:bodyPr>
               <a:lstStyle/>
               <a:p>
+                <a:pPr/>
                 <a14:m>
                   <m:oMathPara xmlns:m="http://schemas.openxmlformats.org/officeDocument/2006/math">
                     <m:oMathParaPr>
@@ -6159,7 +8487,7 @@
             </p:txBody>
           </p:sp>
         </mc:Choice>
-        <mc:Fallback>
+        <mc:Fallback xmlns="">
           <p:sp>
             <p:nvSpPr>
               <p:cNvPr id="50" name="Rectangle 49">
@@ -6204,8 +8532,8 @@
           </p:sp>
         </mc:Fallback>
       </mc:AlternateContent>
-      <mc:AlternateContent xmlns:mc="http://schemas.openxmlformats.org/markup-compatibility/2006">
-        <mc:Choice xmlns:a14="http://schemas.microsoft.com/office/drawing/2010/main" Requires="a14">
+      <mc:AlternateContent xmlns:mc="http://schemas.openxmlformats.org/markup-compatibility/2006" xmlns:a14="http://schemas.microsoft.com/office/drawing/2010/main">
+        <mc:Choice Requires="a14">
           <p:sp>
             <p:nvSpPr>
               <p:cNvPr id="51" name="Rectangle 50">
@@ -6233,6 +8561,7 @@
               </a:bodyPr>
               <a:lstStyle/>
               <a:p>
+                <a:pPr/>
                 <a14:m>
                   <m:oMathPara xmlns:m="http://schemas.openxmlformats.org/officeDocument/2006/math">
                     <m:oMathParaPr>
@@ -6270,7 +8599,7 @@
             </p:txBody>
           </p:sp>
         </mc:Choice>
-        <mc:Fallback>
+        <mc:Fallback xmlns="">
           <p:sp>
             <p:nvSpPr>
               <p:cNvPr id="51" name="Rectangle 50">
@@ -6399,8 +8728,8 @@
             </a:p>
           </p:txBody>
         </p:sp>
-        <mc:AlternateContent xmlns:mc="http://schemas.openxmlformats.org/markup-compatibility/2006">
-          <mc:Choice xmlns:a14="http://schemas.microsoft.com/office/drawing/2010/main" Requires="a14">
+        <mc:AlternateContent xmlns:mc="http://schemas.openxmlformats.org/markup-compatibility/2006" xmlns:a14="http://schemas.microsoft.com/office/drawing/2010/main">
+          <mc:Choice Requires="a14">
             <p:sp>
               <p:nvSpPr>
                 <p:cNvPr id="52" name="Rectangle 51">
@@ -6449,7 +8778,7 @@
               </p:txBody>
             </p:sp>
           </mc:Choice>
-          <mc:Fallback>
+          <mc:Fallback xmlns="">
             <p:sp>
               <p:nvSpPr>
                 <p:cNvPr id="52" name="Rectangle 51">
@@ -6494,8 +8823,8 @@
             </p:sp>
           </mc:Fallback>
         </mc:AlternateContent>
-        <mc:AlternateContent xmlns:mc="http://schemas.openxmlformats.org/markup-compatibility/2006">
-          <mc:Choice xmlns:a14="http://schemas.microsoft.com/office/drawing/2010/main" Requires="a14">
+        <mc:AlternateContent xmlns:mc="http://schemas.openxmlformats.org/markup-compatibility/2006" xmlns:a14="http://schemas.microsoft.com/office/drawing/2010/main">
+          <mc:Choice Requires="a14">
             <p:sp>
               <p:nvSpPr>
                 <p:cNvPr id="53" name="Rectangle 52">
@@ -6544,7 +8873,7 @@
               </p:txBody>
             </p:sp>
           </mc:Choice>
-          <mc:Fallback>
+          <mc:Fallback xmlns="">
             <p:sp>
               <p:nvSpPr>
                 <p:cNvPr id="53" name="Rectangle 52">
@@ -6674,8 +9003,8 @@
             </a:p>
           </p:txBody>
         </p:sp>
-        <mc:AlternateContent xmlns:mc="http://schemas.openxmlformats.org/markup-compatibility/2006">
-          <mc:Choice xmlns:a14="http://schemas.microsoft.com/office/drawing/2010/main" Requires="a14">
+        <mc:AlternateContent xmlns:mc="http://schemas.openxmlformats.org/markup-compatibility/2006" xmlns:a14="http://schemas.microsoft.com/office/drawing/2010/main">
+          <mc:Choice Requires="a14">
             <p:sp>
               <p:nvSpPr>
                 <p:cNvPr id="32" name="Rectangle 31">
@@ -6724,7 +9053,7 @@
               </p:txBody>
             </p:sp>
           </mc:Choice>
-          <mc:Fallback>
+          <mc:Fallback xmlns="">
             <p:sp>
               <p:nvSpPr>
                 <p:cNvPr id="32" name="Rectangle 31">
@@ -6769,8 +9098,8 @@
             </p:sp>
           </mc:Fallback>
         </mc:AlternateContent>
-        <mc:AlternateContent xmlns:mc="http://schemas.openxmlformats.org/markup-compatibility/2006">
-          <mc:Choice xmlns:a14="http://schemas.microsoft.com/office/drawing/2010/main" Requires="a14">
+        <mc:AlternateContent xmlns:mc="http://schemas.openxmlformats.org/markup-compatibility/2006" xmlns:a14="http://schemas.microsoft.com/office/drawing/2010/main">
+          <mc:Choice Requires="a14">
             <p:sp>
               <p:nvSpPr>
                 <p:cNvPr id="33" name="Rectangle 32">
@@ -6819,7 +9148,7 @@
               </p:txBody>
             </p:sp>
           </mc:Choice>
-          <mc:Fallback>
+          <mc:Fallback xmlns="">
             <p:sp>
               <p:nvSpPr>
                 <p:cNvPr id="33" name="Rectangle 32">
@@ -6865,8 +9194,8 @@
           </mc:Fallback>
         </mc:AlternateContent>
       </p:grpSp>
-      <mc:AlternateContent xmlns:mc="http://schemas.openxmlformats.org/markup-compatibility/2006">
-        <mc:Choice xmlns:a14="http://schemas.microsoft.com/office/drawing/2010/main" Requires="a14">
+      <mc:AlternateContent xmlns:mc="http://schemas.openxmlformats.org/markup-compatibility/2006" xmlns:a14="http://schemas.microsoft.com/office/drawing/2010/main">
+        <mc:Choice Requires="a14">
           <p:sp>
             <p:nvSpPr>
               <p:cNvPr id="35" name="Rectangle 34">
@@ -6967,7 +9296,7 @@
             </p:txBody>
           </p:sp>
         </mc:Choice>
-        <mc:Fallback>
+        <mc:Fallback xmlns="">
           <p:sp>
             <p:nvSpPr>
               <p:cNvPr id="35" name="Rectangle 34">
@@ -7117,8 +9446,8 @@
           </a:fontRef>
         </p:style>
       </p:cxnSp>
-      <mc:AlternateContent xmlns:mc="http://schemas.openxmlformats.org/markup-compatibility/2006">
-        <mc:Choice xmlns:a14="http://schemas.microsoft.com/office/drawing/2010/main" Requires="a14">
+      <mc:AlternateContent xmlns:mc="http://schemas.openxmlformats.org/markup-compatibility/2006" xmlns:a14="http://schemas.microsoft.com/office/drawing/2010/main">
+        <mc:Choice Requires="a14">
           <p:sp>
             <p:nvSpPr>
               <p:cNvPr id="39" name="Rectangle 38">
@@ -7219,7 +9548,7 @@
             </p:txBody>
           </p:sp>
         </mc:Choice>
-        <mc:Fallback>
+        <mc:Fallback xmlns="">
           <p:sp>
             <p:nvSpPr>
               <p:cNvPr id="39" name="Rectangle 38">
@@ -7433,7 +9762,7 @@
 </p:sld>
 </file>
 
-<file path=ppt/slides/slide3.xml><?xml version="1.0" encoding="utf-8"?>
+<file path=ppt/slides/slide4.xml><?xml version="1.0" encoding="utf-8"?>
 <p:sld xmlns:a="http://schemas.openxmlformats.org/drawingml/2006/main" xmlns:r="http://schemas.openxmlformats.org/officeDocument/2006/relationships" xmlns:p="http://schemas.openxmlformats.org/presentationml/2006/main">
   <p:cSld>
     <p:spTree>
@@ -7450,8 +9779,8 @@
           <a:chExt cx="0" cy="0"/>
         </a:xfrm>
       </p:grpSpPr>
-      <mc:AlternateContent xmlns:mc="http://schemas.openxmlformats.org/markup-compatibility/2006">
-        <mc:Choice xmlns:a14="http://schemas.microsoft.com/office/drawing/2010/main" Requires="a14">
+      <mc:AlternateContent xmlns:mc="http://schemas.openxmlformats.org/markup-compatibility/2006" xmlns:a14="http://schemas.microsoft.com/office/drawing/2010/main">
+        <mc:Choice Requires="a14">
           <p:sp>
             <p:nvSpPr>
               <p:cNvPr id="4" name="Rectangle 3">
@@ -7577,7 +9906,7 @@
             </p:txBody>
           </p:sp>
         </mc:Choice>
-        <mc:Fallback>
+        <mc:Fallback xmlns="">
           <p:sp>
             <p:nvSpPr>
               <p:cNvPr id="4" name="Rectangle 3">
@@ -7629,8 +9958,8 @@
           </p:sp>
         </mc:Fallback>
       </mc:AlternateContent>
-      <mc:AlternateContent xmlns:mc="http://schemas.openxmlformats.org/markup-compatibility/2006">
-        <mc:Choice xmlns:a14="http://schemas.microsoft.com/office/drawing/2010/main" Requires="a14">
+      <mc:AlternateContent xmlns:mc="http://schemas.openxmlformats.org/markup-compatibility/2006" xmlns:a14="http://schemas.microsoft.com/office/drawing/2010/main">
+        <mc:Choice Requires="a14">
           <p:sp>
             <p:nvSpPr>
               <p:cNvPr id="6" name="Rectangle 5">
@@ -7756,7 +10085,7 @@
             </p:txBody>
           </p:sp>
         </mc:Choice>
-        <mc:Fallback>
+        <mc:Fallback xmlns="">
           <p:sp>
             <p:nvSpPr>
               <p:cNvPr id="6" name="Rectangle 5">
@@ -8221,8 +10550,8 @@
           </a:fontRef>
         </p:style>
       </p:cxnSp>
-      <mc:AlternateContent xmlns:mc="http://schemas.openxmlformats.org/markup-compatibility/2006">
-        <mc:Choice xmlns:a14="http://schemas.microsoft.com/office/drawing/2010/main" Requires="a14">
+      <mc:AlternateContent xmlns:mc="http://schemas.openxmlformats.org/markup-compatibility/2006" xmlns:a14="http://schemas.microsoft.com/office/drawing/2010/main">
+        <mc:Choice Requires="a14">
           <p:sp>
             <p:nvSpPr>
               <p:cNvPr id="50" name="Rectangle 49">
@@ -8250,6 +10579,7 @@
               </a:bodyPr>
               <a:lstStyle/>
               <a:p>
+                <a:pPr/>
                 <a14:m>
                   <m:oMathPara xmlns:m="http://schemas.openxmlformats.org/officeDocument/2006/math">
                     <m:oMathParaPr>
@@ -8287,7 +10617,7 @@
             </p:txBody>
           </p:sp>
         </mc:Choice>
-        <mc:Fallback>
+        <mc:Fallback xmlns="">
           <p:sp>
             <p:nvSpPr>
               <p:cNvPr id="50" name="Rectangle 49">
@@ -8332,8 +10662,8 @@
           </p:sp>
         </mc:Fallback>
       </mc:AlternateContent>
-      <mc:AlternateContent xmlns:mc="http://schemas.openxmlformats.org/markup-compatibility/2006">
-        <mc:Choice xmlns:a14="http://schemas.microsoft.com/office/drawing/2010/main" Requires="a14">
+      <mc:AlternateContent xmlns:mc="http://schemas.openxmlformats.org/markup-compatibility/2006" xmlns:a14="http://schemas.microsoft.com/office/drawing/2010/main">
+        <mc:Choice Requires="a14">
           <p:sp>
             <p:nvSpPr>
               <p:cNvPr id="51" name="Rectangle 50">
@@ -8361,6 +10691,7 @@
               </a:bodyPr>
               <a:lstStyle/>
               <a:p>
+                <a:pPr/>
                 <a14:m>
                   <m:oMathPara xmlns:m="http://schemas.openxmlformats.org/officeDocument/2006/math">
                     <m:oMathParaPr>
@@ -8398,7 +10729,7 @@
             </p:txBody>
           </p:sp>
         </mc:Choice>
-        <mc:Fallback>
+        <mc:Fallback xmlns="">
           <p:sp>
             <p:nvSpPr>
               <p:cNvPr id="51" name="Rectangle 50">
@@ -8443,8 +10774,8 @@
           </p:sp>
         </mc:Fallback>
       </mc:AlternateContent>
-      <mc:AlternateContent xmlns:mc="http://schemas.openxmlformats.org/markup-compatibility/2006">
-        <mc:Choice xmlns:a14="http://schemas.microsoft.com/office/drawing/2010/main" Requires="a14">
+      <mc:AlternateContent xmlns:mc="http://schemas.openxmlformats.org/markup-compatibility/2006" xmlns:a14="http://schemas.microsoft.com/office/drawing/2010/main">
+        <mc:Choice Requires="a14">
           <p:sp>
             <p:nvSpPr>
               <p:cNvPr id="52" name="Rectangle 51">
@@ -8493,7 +10824,7 @@
             </p:txBody>
           </p:sp>
         </mc:Choice>
-        <mc:Fallback>
+        <mc:Fallback xmlns="">
           <p:sp>
             <p:nvSpPr>
               <p:cNvPr id="52" name="Rectangle 51">
@@ -8538,8 +10869,8 @@
           </p:sp>
         </mc:Fallback>
       </mc:AlternateContent>
-      <mc:AlternateContent xmlns:mc="http://schemas.openxmlformats.org/markup-compatibility/2006">
-        <mc:Choice xmlns:a14="http://schemas.microsoft.com/office/drawing/2010/main" Requires="a14">
+      <mc:AlternateContent xmlns:mc="http://schemas.openxmlformats.org/markup-compatibility/2006" xmlns:a14="http://schemas.microsoft.com/office/drawing/2010/main">
+        <mc:Choice Requires="a14">
           <p:sp>
             <p:nvSpPr>
               <p:cNvPr id="53" name="Rectangle 52">
@@ -8588,7 +10919,7 @@
             </p:txBody>
           </p:sp>
         </mc:Choice>
-        <mc:Fallback>
+        <mc:Fallback xmlns="">
           <p:sp>
             <p:nvSpPr>
               <p:cNvPr id="53" name="Rectangle 52">
@@ -8646,7 +10977,7 @@
 </p:sld>
 </file>
 
-<file path=ppt/slides/slide4.xml><?xml version="1.0" encoding="utf-8"?>
+<file path=ppt/slides/slide5.xml><?xml version="1.0" encoding="utf-8"?>
 <p:sld xmlns:a="http://schemas.openxmlformats.org/drawingml/2006/main" xmlns:r="http://schemas.openxmlformats.org/officeDocument/2006/relationships" xmlns:p="http://schemas.openxmlformats.org/presentationml/2006/main">
   <p:cSld>
     <p:spTree>
@@ -8663,8 +10994,8 @@
           <a:chExt cx="0" cy="0"/>
         </a:xfrm>
       </p:grpSpPr>
-      <mc:AlternateContent xmlns:mc="http://schemas.openxmlformats.org/markup-compatibility/2006">
-        <mc:Choice xmlns:a14="http://schemas.microsoft.com/office/drawing/2010/main" Requires="a14">
+      <mc:AlternateContent xmlns:mc="http://schemas.openxmlformats.org/markup-compatibility/2006" xmlns:a14="http://schemas.microsoft.com/office/drawing/2010/main">
+        <mc:Choice Requires="a14">
           <p:sp>
             <p:nvSpPr>
               <p:cNvPr id="4" name="Rectangle 3">
@@ -8765,7 +11096,7 @@
             </p:txBody>
           </p:sp>
         </mc:Choice>
-        <mc:Fallback>
+        <mc:Fallback xmlns="">
           <p:sp>
             <p:nvSpPr>
               <p:cNvPr id="4" name="Rectangle 3">
@@ -8817,8 +11148,8 @@
           </p:sp>
         </mc:Fallback>
       </mc:AlternateContent>
-      <mc:AlternateContent xmlns:mc="http://schemas.openxmlformats.org/markup-compatibility/2006">
-        <mc:Choice xmlns:a14="http://schemas.microsoft.com/office/drawing/2010/main" Requires="a14">
+      <mc:AlternateContent xmlns:mc="http://schemas.openxmlformats.org/markup-compatibility/2006" xmlns:a14="http://schemas.microsoft.com/office/drawing/2010/main">
+        <mc:Choice Requires="a14">
           <p:sp>
             <p:nvSpPr>
               <p:cNvPr id="6" name="Rectangle 5">
@@ -8919,7 +11250,7 @@
             </p:txBody>
           </p:sp>
         </mc:Choice>
-        <mc:Fallback>
+        <mc:Fallback xmlns="">
           <p:sp>
             <p:nvSpPr>
               <p:cNvPr id="6" name="Rectangle 5">
@@ -9369,8 +11700,8 @@
           </a:fontRef>
         </p:style>
       </p:cxnSp>
-      <mc:AlternateContent xmlns:mc="http://schemas.openxmlformats.org/markup-compatibility/2006">
-        <mc:Choice xmlns:a14="http://schemas.microsoft.com/office/drawing/2010/main" Requires="a14">
+      <mc:AlternateContent xmlns:mc="http://schemas.openxmlformats.org/markup-compatibility/2006" xmlns:a14="http://schemas.microsoft.com/office/drawing/2010/main">
+        <mc:Choice Requires="a14">
           <p:sp>
             <p:nvSpPr>
               <p:cNvPr id="50" name="Rectangle 49">
@@ -9398,6 +11729,7 @@
               </a:bodyPr>
               <a:lstStyle/>
               <a:p>
+                <a:pPr/>
                 <a14:m>
                   <m:oMathPara xmlns:m="http://schemas.openxmlformats.org/officeDocument/2006/math">
                     <m:oMathParaPr>
@@ -9435,7 +11767,7 @@
             </p:txBody>
           </p:sp>
         </mc:Choice>
-        <mc:Fallback>
+        <mc:Fallback xmlns="">
           <p:sp>
             <p:nvSpPr>
               <p:cNvPr id="50" name="Rectangle 49">
@@ -9480,8 +11812,8 @@
           </p:sp>
         </mc:Fallback>
       </mc:AlternateContent>
-      <mc:AlternateContent xmlns:mc="http://schemas.openxmlformats.org/markup-compatibility/2006">
-        <mc:Choice xmlns:a14="http://schemas.microsoft.com/office/drawing/2010/main" Requires="a14">
+      <mc:AlternateContent xmlns:mc="http://schemas.openxmlformats.org/markup-compatibility/2006" xmlns:a14="http://schemas.microsoft.com/office/drawing/2010/main">
+        <mc:Choice Requires="a14">
           <p:sp>
             <p:nvSpPr>
               <p:cNvPr id="51" name="Rectangle 50">
@@ -9509,6 +11841,7 @@
               </a:bodyPr>
               <a:lstStyle/>
               <a:p>
+                <a:pPr/>
                 <a14:m>
                   <m:oMathPara xmlns:m="http://schemas.openxmlformats.org/officeDocument/2006/math">
                     <m:oMathParaPr>
@@ -9546,7 +11879,7 @@
             </p:txBody>
           </p:sp>
         </mc:Choice>
-        <mc:Fallback>
+        <mc:Fallback xmlns="">
           <p:sp>
             <p:nvSpPr>
               <p:cNvPr id="51" name="Rectangle 50">
@@ -9675,8 +12008,8 @@
             </a:p>
           </p:txBody>
         </p:sp>
-        <mc:AlternateContent xmlns:mc="http://schemas.openxmlformats.org/markup-compatibility/2006">
-          <mc:Choice xmlns:a14="http://schemas.microsoft.com/office/drawing/2010/main" Requires="a14">
+        <mc:AlternateContent xmlns:mc="http://schemas.openxmlformats.org/markup-compatibility/2006" xmlns:a14="http://schemas.microsoft.com/office/drawing/2010/main">
+          <mc:Choice Requires="a14">
             <p:sp>
               <p:nvSpPr>
                 <p:cNvPr id="52" name="Rectangle 51">
@@ -9725,7 +12058,7 @@
               </p:txBody>
             </p:sp>
           </mc:Choice>
-          <mc:Fallback>
+          <mc:Fallback xmlns="">
             <p:sp>
               <p:nvSpPr>
                 <p:cNvPr id="52" name="Rectangle 51">
@@ -9770,8 +12103,8 @@
             </p:sp>
           </mc:Fallback>
         </mc:AlternateContent>
-        <mc:AlternateContent xmlns:mc="http://schemas.openxmlformats.org/markup-compatibility/2006">
-          <mc:Choice xmlns:a14="http://schemas.microsoft.com/office/drawing/2010/main" Requires="a14">
+        <mc:AlternateContent xmlns:mc="http://schemas.openxmlformats.org/markup-compatibility/2006" xmlns:a14="http://schemas.microsoft.com/office/drawing/2010/main">
+          <mc:Choice Requires="a14">
             <p:sp>
               <p:nvSpPr>
                 <p:cNvPr id="53" name="Rectangle 52">
@@ -9820,7 +12153,7 @@
               </p:txBody>
             </p:sp>
           </mc:Choice>
-          <mc:Fallback>
+          <mc:Fallback xmlns="">
             <p:sp>
               <p:nvSpPr>
                 <p:cNvPr id="53" name="Rectangle 52">
@@ -9950,8 +12283,8 @@
             </a:p>
           </p:txBody>
         </p:sp>
-        <mc:AlternateContent xmlns:mc="http://schemas.openxmlformats.org/markup-compatibility/2006">
-          <mc:Choice xmlns:a14="http://schemas.microsoft.com/office/drawing/2010/main" Requires="a14">
+        <mc:AlternateContent xmlns:mc="http://schemas.openxmlformats.org/markup-compatibility/2006" xmlns:a14="http://schemas.microsoft.com/office/drawing/2010/main">
+          <mc:Choice Requires="a14">
             <p:sp>
               <p:nvSpPr>
                 <p:cNvPr id="32" name="Rectangle 31">
@@ -10000,7 +12333,7 @@
               </p:txBody>
             </p:sp>
           </mc:Choice>
-          <mc:Fallback>
+          <mc:Fallback xmlns="">
             <p:sp>
               <p:nvSpPr>
                 <p:cNvPr id="32" name="Rectangle 31">
@@ -10045,8 +12378,8 @@
             </p:sp>
           </mc:Fallback>
         </mc:AlternateContent>
-        <mc:AlternateContent xmlns:mc="http://schemas.openxmlformats.org/markup-compatibility/2006">
-          <mc:Choice xmlns:a14="http://schemas.microsoft.com/office/drawing/2010/main" Requires="a14">
+        <mc:AlternateContent xmlns:mc="http://schemas.openxmlformats.org/markup-compatibility/2006" xmlns:a14="http://schemas.microsoft.com/office/drawing/2010/main">
+          <mc:Choice Requires="a14">
             <p:sp>
               <p:nvSpPr>
                 <p:cNvPr id="33" name="Rectangle 32">
@@ -10095,7 +12428,7 @@
               </p:txBody>
             </p:sp>
           </mc:Choice>
-          <mc:Fallback>
+          <mc:Fallback xmlns="">
             <p:sp>
               <p:nvSpPr>
                 <p:cNvPr id="33" name="Rectangle 32">
@@ -10141,8 +12474,8 @@
           </mc:Fallback>
         </mc:AlternateContent>
       </p:grpSp>
-      <mc:AlternateContent xmlns:mc="http://schemas.openxmlformats.org/markup-compatibility/2006">
-        <mc:Choice xmlns:a14="http://schemas.microsoft.com/office/drawing/2010/main" Requires="a14">
+      <mc:AlternateContent xmlns:mc="http://schemas.openxmlformats.org/markup-compatibility/2006" xmlns:a14="http://schemas.microsoft.com/office/drawing/2010/main">
+        <mc:Choice Requires="a14">
           <p:sp>
             <p:nvSpPr>
               <p:cNvPr id="35" name="Rectangle 34">
@@ -10243,7 +12576,7 @@
             </p:txBody>
           </p:sp>
         </mc:Choice>
-        <mc:Fallback>
+        <mc:Fallback xmlns="">
           <p:sp>
             <p:nvSpPr>
               <p:cNvPr id="35" name="Rectangle 34">
@@ -10393,8 +12726,8 @@
           </a:fontRef>
         </p:style>
       </p:cxnSp>
-      <mc:AlternateContent xmlns:mc="http://schemas.openxmlformats.org/markup-compatibility/2006">
-        <mc:Choice xmlns:a14="http://schemas.microsoft.com/office/drawing/2010/main" Requires="a14">
+      <mc:AlternateContent xmlns:mc="http://schemas.openxmlformats.org/markup-compatibility/2006" xmlns:a14="http://schemas.microsoft.com/office/drawing/2010/main">
+        <mc:Choice Requires="a14">
           <p:sp>
             <p:nvSpPr>
               <p:cNvPr id="39" name="Rectangle 38">
@@ -10495,7 +12828,7 @@
             </p:txBody>
           </p:sp>
         </mc:Choice>
-        <mc:Fallback>
+        <mc:Fallback xmlns="">
           <p:sp>
             <p:nvSpPr>
               <p:cNvPr id="39" name="Rectangle 38">
@@ -10646,8 +12979,8 @@
           </a:fontRef>
         </p:style>
       </p:cxnSp>
-      <mc:AlternateContent xmlns:mc="http://schemas.openxmlformats.org/markup-compatibility/2006">
-        <mc:Choice xmlns:a14="http://schemas.microsoft.com/office/drawing/2010/main" Requires="a14">
+      <mc:AlternateContent xmlns:mc="http://schemas.openxmlformats.org/markup-compatibility/2006" xmlns:a14="http://schemas.microsoft.com/office/drawing/2010/main">
+        <mc:Choice Requires="a14">
           <p:sp>
             <p:nvSpPr>
               <p:cNvPr id="34" name="Rectangle 33">
@@ -10675,6 +13008,7 @@
               </a:bodyPr>
               <a:lstStyle/>
               <a:p>
+                <a:pPr/>
                 <a14:m>
                   <m:oMathPara xmlns:m="http://schemas.openxmlformats.org/officeDocument/2006/math">
                     <m:oMathParaPr>
@@ -10712,7 +13046,7 @@
             </p:txBody>
           </p:sp>
         </mc:Choice>
-        <mc:Fallback>
+        <mc:Fallback xmlns="">
           <p:sp>
             <p:nvSpPr>
               <p:cNvPr id="34" name="Rectangle 33">
@@ -10770,7 +13104,7 @@
 </p:sld>
 </file>
 
-<file path=ppt/slides/slide5.xml><?xml version="1.0" encoding="utf-8"?>
+<file path=ppt/slides/slide6.xml><?xml version="1.0" encoding="utf-8"?>
 <p:sld xmlns:a="http://schemas.openxmlformats.org/drawingml/2006/main" xmlns:r="http://schemas.openxmlformats.org/officeDocument/2006/relationships" xmlns:p="http://schemas.openxmlformats.org/presentationml/2006/main">
   <p:cSld>
     <p:spTree>
@@ -11301,8 +13635,8 @@
           </a:fontRef>
         </p:style>
       </p:cxnSp>
-      <mc:AlternateContent xmlns:mc="http://schemas.openxmlformats.org/markup-compatibility/2006">
-        <mc:Choice xmlns:a14="http://schemas.microsoft.com/office/drawing/2010/main" Requires="a14">
+      <mc:AlternateContent xmlns:mc="http://schemas.openxmlformats.org/markup-compatibility/2006" xmlns:a14="http://schemas.microsoft.com/office/drawing/2010/main">
+        <mc:Choice Requires="a14">
           <p:sp>
             <p:nvSpPr>
               <p:cNvPr id="50" name="Rectangle 49">
@@ -11330,6 +13664,7 @@
               </a:bodyPr>
               <a:lstStyle/>
               <a:p>
+                <a:pPr/>
                 <a14:m>
                   <m:oMathPara xmlns:m="http://schemas.openxmlformats.org/officeDocument/2006/math">
                     <m:oMathParaPr>
@@ -11367,7 +13702,7 @@
             </p:txBody>
           </p:sp>
         </mc:Choice>
-        <mc:Fallback>
+        <mc:Fallback xmlns="">
           <p:sp>
             <p:nvSpPr>
               <p:cNvPr id="50" name="Rectangle 49">
@@ -11412,8 +13747,8 @@
           </p:sp>
         </mc:Fallback>
       </mc:AlternateContent>
-      <mc:AlternateContent xmlns:mc="http://schemas.openxmlformats.org/markup-compatibility/2006">
-        <mc:Choice xmlns:a14="http://schemas.microsoft.com/office/drawing/2010/main" Requires="a14">
+      <mc:AlternateContent xmlns:mc="http://schemas.openxmlformats.org/markup-compatibility/2006" xmlns:a14="http://schemas.microsoft.com/office/drawing/2010/main">
+        <mc:Choice Requires="a14">
           <p:sp>
             <p:nvSpPr>
               <p:cNvPr id="51" name="Rectangle 50">
@@ -11441,6 +13776,7 @@
               </a:bodyPr>
               <a:lstStyle/>
               <a:p>
+                <a:pPr/>
                 <a14:m>
                   <m:oMathPara xmlns:m="http://schemas.openxmlformats.org/officeDocument/2006/math">
                     <m:oMathParaPr>
@@ -11478,7 +13814,7 @@
             </p:txBody>
           </p:sp>
         </mc:Choice>
-        <mc:Fallback>
+        <mc:Fallback xmlns="">
           <p:sp>
             <p:nvSpPr>
               <p:cNvPr id="51" name="Rectangle 50">
@@ -11607,8 +13943,8 @@
             </a:p>
           </p:txBody>
         </p:sp>
-        <mc:AlternateContent xmlns:mc="http://schemas.openxmlformats.org/markup-compatibility/2006">
-          <mc:Choice xmlns:a14="http://schemas.microsoft.com/office/drawing/2010/main" Requires="a14">
+        <mc:AlternateContent xmlns:mc="http://schemas.openxmlformats.org/markup-compatibility/2006" xmlns:a14="http://schemas.microsoft.com/office/drawing/2010/main">
+          <mc:Choice Requires="a14">
             <p:sp>
               <p:nvSpPr>
                 <p:cNvPr id="52" name="Rectangle 51">
@@ -11657,7 +13993,7 @@
               </p:txBody>
             </p:sp>
           </mc:Choice>
-          <mc:Fallback>
+          <mc:Fallback xmlns="">
             <p:sp>
               <p:nvSpPr>
                 <p:cNvPr id="52" name="Rectangle 51">
@@ -11702,8 +14038,8 @@
             </p:sp>
           </mc:Fallback>
         </mc:AlternateContent>
-        <mc:AlternateContent xmlns:mc="http://schemas.openxmlformats.org/markup-compatibility/2006">
-          <mc:Choice xmlns:a14="http://schemas.microsoft.com/office/drawing/2010/main" Requires="a14">
+        <mc:AlternateContent xmlns:mc="http://schemas.openxmlformats.org/markup-compatibility/2006" xmlns:a14="http://schemas.microsoft.com/office/drawing/2010/main">
+          <mc:Choice Requires="a14">
             <p:sp>
               <p:nvSpPr>
                 <p:cNvPr id="53" name="Rectangle 52">
@@ -11752,7 +14088,7 @@
               </p:txBody>
             </p:sp>
           </mc:Choice>
-          <mc:Fallback>
+          <mc:Fallback xmlns="">
             <p:sp>
               <p:nvSpPr>
                 <p:cNvPr id="53" name="Rectangle 52">
@@ -11882,8 +14218,8 @@
             </a:p>
           </p:txBody>
         </p:sp>
-        <mc:AlternateContent xmlns:mc="http://schemas.openxmlformats.org/markup-compatibility/2006">
-          <mc:Choice xmlns:a14="http://schemas.microsoft.com/office/drawing/2010/main" Requires="a14">
+        <mc:AlternateContent xmlns:mc="http://schemas.openxmlformats.org/markup-compatibility/2006" xmlns:a14="http://schemas.microsoft.com/office/drawing/2010/main">
+          <mc:Choice Requires="a14">
             <p:sp>
               <p:nvSpPr>
                 <p:cNvPr id="32" name="Rectangle 31">
@@ -11932,7 +14268,7 @@
               </p:txBody>
             </p:sp>
           </mc:Choice>
-          <mc:Fallback>
+          <mc:Fallback xmlns="">
             <p:sp>
               <p:nvSpPr>
                 <p:cNvPr id="32" name="Rectangle 31">
@@ -11977,8 +14313,8 @@
             </p:sp>
           </mc:Fallback>
         </mc:AlternateContent>
-        <mc:AlternateContent xmlns:mc="http://schemas.openxmlformats.org/markup-compatibility/2006">
-          <mc:Choice xmlns:a14="http://schemas.microsoft.com/office/drawing/2010/main" Requires="a14">
+        <mc:AlternateContent xmlns:mc="http://schemas.openxmlformats.org/markup-compatibility/2006" xmlns:a14="http://schemas.microsoft.com/office/drawing/2010/main">
+          <mc:Choice Requires="a14">
             <p:sp>
               <p:nvSpPr>
                 <p:cNvPr id="33" name="Rectangle 32">
@@ -12027,7 +14363,7 @@
               </p:txBody>
             </p:sp>
           </mc:Choice>
-          <mc:Fallback>
+          <mc:Fallback xmlns="">
             <p:sp>
               <p:nvSpPr>
                 <p:cNvPr id="33" name="Rectangle 32">
@@ -12279,8 +14615,8 @@
           </a:fontRef>
         </p:style>
       </p:cxnSp>
-      <mc:AlternateContent xmlns:mc="http://schemas.openxmlformats.org/markup-compatibility/2006">
-        <mc:Choice xmlns:a14="http://schemas.microsoft.com/office/drawing/2010/main" Requires="a14">
+      <mc:AlternateContent xmlns:mc="http://schemas.openxmlformats.org/markup-compatibility/2006" xmlns:a14="http://schemas.microsoft.com/office/drawing/2010/main">
+        <mc:Choice Requires="a14">
           <p:sp>
             <p:nvSpPr>
               <p:cNvPr id="34" name="Rectangle 33">
@@ -12308,6 +14644,7 @@
               </a:bodyPr>
               <a:lstStyle/>
               <a:p>
+                <a:pPr/>
                 <a14:m>
                   <m:oMathPara xmlns:m="http://schemas.openxmlformats.org/officeDocument/2006/math">
                     <m:oMathParaPr>
@@ -12345,7 +14682,7 @@
             </p:txBody>
           </p:sp>
         </mc:Choice>
-        <mc:Fallback>
+        <mc:Fallback xmlns="">
           <p:sp>
             <p:nvSpPr>
               <p:cNvPr id="34" name="Rectangle 33">
